--- a/ConvectionNNPoster_V2.pptx
+++ b/ConvectionNNPoster_V2.pptx
@@ -4806,6 +4806,168 @@
       </p:grpSpPr>
       <p:sp>
         <p:nvSpPr>
+          <p:cNvPr id="50" name="TextBox 49"/>
+          <p:cNvSpPr txBox="1"/>
+          <p:nvPr/>
+        </p:nvSpPr>
+        <p:spPr>
+          <a:xfrm>
+            <a:off x="14254554" y="18757186"/>
+            <a:ext cx="15541313" cy="7725192"/>
+          </a:xfrm>
+          <a:prstGeom prst="rect">
+            <a:avLst/>
+          </a:prstGeom>
+          <a:noFill/>
+        </p:spPr>
+        <p:txBody>
+          <a:bodyPr wrap="square" rtlCol="0">
+            <a:spAutoFit/>
+          </a:bodyPr>
+          <a:lstStyle/>
+          <a:p>
+            <a:r>
+              <a:rPr lang="en-US" sz="3200" b="1" dirty="0" smtClean="0"/>
+              <a:t>Current </a:t>
+            </a:r>
+            <a:r>
+              <a:rPr lang="en-US" sz="3200" b="1" dirty="0" smtClean="0"/>
+              <a:t>Approach</a:t>
+            </a:r>
+            <a:endParaRPr lang="en-US" sz="3200" b="1" dirty="0" smtClean="0"/>
+          </a:p>
+          <a:p>
+            <a:pPr marL="457200" indent="-457200">
+              <a:buFont typeface="Arial" charset="0"/>
+              <a:buChar char="•"/>
+            </a:pPr>
+            <a:r>
+              <a:rPr lang="en-US" sz="3200" u="sng" dirty="0" smtClean="0"/>
+              <a:t>Recurrent Neural </a:t>
+            </a:r>
+            <a:r>
+              <a:rPr lang="en-US" sz="3200" u="sng" dirty="0" smtClean="0"/>
+              <a:t>Networks </a:t>
+            </a:r>
+            <a:r>
+              <a:rPr lang="en-US" sz="3200" u="sng" dirty="0" smtClean="0"/>
+              <a:t>(</a:t>
+            </a:r>
+            <a:r>
+              <a:rPr lang="en-US" sz="3200" u="sng" dirty="0" smtClean="0"/>
+              <a:t>RNNs):</a:t>
+            </a:r>
+            <a:r>
+              <a:rPr lang="en-US" sz="3200" dirty="0" smtClean="0"/>
+              <a:t/>
+            </a:r>
+            <a:br>
+              <a:rPr lang="en-US" sz="3200" dirty="0" smtClean="0"/>
+            </a:br>
+            <a:r>
+              <a:rPr lang="en-US" sz="3200" dirty="0"/>
+              <a:t/>
+            </a:r>
+            <a:br>
+              <a:rPr lang="en-US" sz="3200" dirty="0"/>
+            </a:br>
+            <a:endParaRPr lang="en-US" sz="3200" dirty="0"/>
+          </a:p>
+          <a:p>
+            <a:pPr marL="457200" indent="-457200">
+              <a:buFont typeface="Arial" charset="0"/>
+              <a:buChar char="•"/>
+            </a:pPr>
+            <a:endParaRPr lang="en-US" sz="3200" dirty="0" smtClean="0"/>
+          </a:p>
+          <a:p>
+            <a:pPr marL="457200" indent="-457200">
+              <a:buFont typeface="Arial" charset="0"/>
+              <a:buChar char="•"/>
+            </a:pPr>
+            <a:endParaRPr lang="en-US" sz="3200" dirty="0"/>
+          </a:p>
+          <a:p>
+            <a:pPr marL="457200" indent="-457200">
+              <a:buFont typeface="Arial" charset="0"/>
+              <a:buChar char="•"/>
+            </a:pPr>
+            <a:endParaRPr lang="en-US" sz="3200" dirty="0" smtClean="0"/>
+          </a:p>
+          <a:p>
+            <a:pPr marL="457200" indent="-457200">
+              <a:buFont typeface="Arial" charset="0"/>
+              <a:buChar char="•"/>
+            </a:pPr>
+            <a:endParaRPr lang="en-US" sz="3200" dirty="0"/>
+          </a:p>
+          <a:p>
+            <a:pPr marL="457200" indent="-457200">
+              <a:buFont typeface="Arial" charset="0"/>
+              <a:buChar char="•"/>
+            </a:pPr>
+            <a:endParaRPr lang="en-US" sz="3200" dirty="0" smtClean="0"/>
+          </a:p>
+          <a:p>
+            <a:endParaRPr lang="en-US" sz="2400" dirty="0" smtClean="0"/>
+          </a:p>
+          <a:p>
+            <a:r>
+              <a:rPr lang="en-US" sz="2400" dirty="0" smtClean="0"/>
+              <a:t>                   </a:t>
+            </a:r>
+            <a:r>
+              <a:rPr lang="en-US" sz="2400" dirty="0" smtClean="0"/>
+              <a:t>Figure 1 Illustration of RNN                                                  Figure 2 LSTM vs GRU</a:t>
+            </a:r>
+          </a:p>
+          <a:p>
+            <a:pPr marL="457200" indent="-457200">
+              <a:buFont typeface="Arial" charset="0"/>
+              <a:buChar char="•"/>
+            </a:pPr>
+            <a:endParaRPr lang="en-US" sz="3200" dirty="0" smtClean="0"/>
+          </a:p>
+          <a:p>
+            <a:pPr marL="457200" indent="-457200">
+              <a:buFont typeface="Arial" charset="0"/>
+              <a:buChar char="•"/>
+            </a:pPr>
+            <a:r>
+              <a:rPr lang="en-US" sz="3200" dirty="0" smtClean="0"/>
+              <a:t>Long short-term memory (LSTM) improves upon RNNs using memory cells that remember long-term </a:t>
+            </a:r>
+            <a:r>
+              <a:rPr lang="en-US" sz="3200" dirty="0" smtClean="0"/>
+              <a:t>values</a:t>
+            </a:r>
+            <a:br>
+              <a:rPr lang="en-US" sz="3200" dirty="0" smtClean="0"/>
+            </a:br>
+            <a:endParaRPr lang="en-US" sz="3200" dirty="0" smtClean="0"/>
+          </a:p>
+          <a:p>
+            <a:pPr marL="457200" indent="-457200">
+              <a:buFont typeface="Arial" charset="0"/>
+              <a:buChar char="•"/>
+            </a:pPr>
+            <a:r>
+              <a:rPr lang="en-US" sz="3200" dirty="0" smtClean="0"/>
+              <a:t>Gated recurrent units’ (</a:t>
+            </a:r>
+            <a:r>
+              <a:rPr lang="en-US" sz="3200" dirty="0" smtClean="0"/>
+              <a:t>GRUs) are similar to LSTMs, but lack </a:t>
+            </a:r>
+            <a:r>
+              <a:rPr lang="en-US" sz="3200" dirty="0" smtClean="0"/>
+              <a:t>an output gate</a:t>
+            </a:r>
+          </a:p>
+        </p:txBody>
+      </p:sp>
+      <p:sp>
+        <p:nvSpPr>
           <p:cNvPr id="5" name="Rectangle 4"/>
           <p:cNvSpPr/>
           <p:nvPr/>
@@ -5048,7 +5210,7 @@
             </a:r>
             <a:r>
               <a:rPr lang="en-US" sz="3200" dirty="0" smtClean="0"/>
-              <a:t>experience.</a:t>
+              <a:t>experience</a:t>
             </a:r>
             <a:endParaRPr lang="en-US" sz="3200" dirty="0"/>
           </a:p>
@@ -5084,8 +5246,15 @@
             </a:r>
             <a:r>
               <a:rPr lang="en-US" sz="3200" dirty="0" smtClean="0"/>
-              <a:t>experiment with. </a:t>
-            </a:r>
+              <a:t>experiment </a:t>
+            </a:r>
+            <a:r>
+              <a:rPr lang="en-US" sz="3200" dirty="0" smtClean="0"/>
+              <a:t>with</a:t>
+            </a:r>
+            <a:br>
+              <a:rPr lang="en-US" sz="3200" dirty="0" smtClean="0"/>
+            </a:br>
             <a:endParaRPr lang="en-US" sz="3200" dirty="0"/>
           </a:p>
           <a:p>
@@ -5102,8 +5271,13 @@
             </a:pPr>
             <a:r>
               <a:rPr lang="en-US" sz="3200" dirty="0" smtClean="0"/>
-              <a:t>Current machine learning models are effective at copying and regurgitating inputs.</a:t>
-            </a:r>
+              <a:t>Current machine learning models are effective at copying and regurgitating </a:t>
+            </a:r>
+            <a:r>
+              <a:rPr lang="en-US" sz="3200" dirty="0" smtClean="0"/>
+              <a:t>inputs</a:t>
+            </a:r>
+            <a:endParaRPr lang="en-US" sz="3200" dirty="0" smtClean="0"/>
           </a:p>
           <a:p>
             <a:pPr marL="457200" indent="-457200">
@@ -5125,8 +5299,12 @@
             </a:r>
             <a:r>
               <a:rPr lang="en-US" sz="3200" dirty="0" smtClean="0"/>
-              <a:t>.</a:t>
-            </a:r>
+              <a:t/>
+            </a:r>
+            <a:br>
+              <a:rPr lang="en-US" sz="3200" dirty="0" smtClean="0"/>
+            </a:br>
+            <a:endParaRPr lang="en-US" sz="3200" dirty="0" smtClean="0"/>
           </a:p>
           <a:p>
             <a:r>
@@ -5146,8 +5324,9 @@
             </a:pPr>
             <a:r>
               <a:rPr lang="en-US" sz="3200" dirty="0" smtClean="0"/>
-              <a:t>Models have been trained on a very general set of recipes including multiple types of food (both savory and sweet recipes).</a:t>
-            </a:r>
+              <a:t>Models have been trained on a very general set of recipes including multiple types of food </a:t>
+            </a:r>
+            <a:endParaRPr lang="en-US" sz="3200" dirty="0" smtClean="0"/>
           </a:p>
           <a:p>
             <a:pPr marL="457200" indent="-457200">
@@ -5157,8 +5336,17 @@
             </a:pPr>
             <a:r>
               <a:rPr lang="en-US" sz="3200" dirty="0" smtClean="0"/>
-              <a:t>Some common ingredient like salt appears in recipes as varied as cakes, burgers and pizzas, confusing the model. </a:t>
-            </a:r>
+              <a:t>Some </a:t>
+            </a:r>
+            <a:r>
+              <a:rPr lang="en-US" sz="3200" dirty="0" smtClean="0"/>
+              <a:t>common ingredient like salt appears in recipes as varied as cakes, burgers and pizzas, confusing the </a:t>
+            </a:r>
+            <a:r>
+              <a:rPr lang="en-US" sz="3200" dirty="0" smtClean="0"/>
+              <a:t>model </a:t>
+            </a:r>
+            <a:endParaRPr lang="en-US" sz="3200" dirty="0" smtClean="0"/>
           </a:p>
           <a:p>
             <a:pPr marL="457200" indent="-457200">
@@ -5168,20 +5356,17 @@
             </a:pPr>
             <a:r>
               <a:rPr lang="en-US" sz="3200" dirty="0" smtClean="0"/>
-              <a:t>Models trained with both directions and ingredients adds to the complexity and the models focused on learning format rather than content. </a:t>
-            </a:r>
-          </a:p>
-          <a:p>
-            <a:pPr marL="457200" indent="-457200">
-              <a:buClrTx/>
-              <a:buFont typeface="Arial" charset="0"/>
-              <a:buChar char="•"/>
-            </a:pPr>
+              <a:t>Training with </a:t>
+            </a:r>
             <a:r>
               <a:rPr lang="en-US" sz="3200" dirty="0" smtClean="0"/>
-              <a:t>Most previous models have utilized character-level generation, which is the most granular and difficult level of generation with regard to text.</a:t>
-            </a:r>
-            <a:endParaRPr lang="en-US" sz="3200" dirty="0"/>
+              <a:t>both directions and ingredients adds to the complexity and the models focused on learning format rather than </a:t>
+            </a:r>
+            <a:r>
+              <a:rPr lang="en-US" sz="3200" dirty="0" smtClean="0"/>
+              <a:t>content </a:t>
+            </a:r>
+            <a:endParaRPr lang="en-US" sz="3200" dirty="0" smtClean="0"/>
           </a:p>
         </p:txBody>
       </p:sp>
@@ -5212,43 +5397,6 @@
               <a:rPr lang="en-US" dirty="0"/>
               <a:t>Results</a:t>
             </a:r>
-          </a:p>
-        </p:txBody>
-      </p:sp>
-      <p:sp>
-        <p:nvSpPr>
-          <p:cNvPr id="6" name="Content Placeholder 5"/>
-          <p:cNvSpPr>
-            <a:spLocks noGrp="1"/>
-          </p:cNvSpPr>
-          <p:nvPr>
-            <p:ph sz="quarter" idx="33"/>
-          </p:nvPr>
-        </p:nvSpPr>
-        <p:spPr>
-          <a:xfrm>
-            <a:off x="30791620" y="13436820"/>
-            <a:ext cx="12801600" cy="1153899"/>
-          </a:xfrm>
-        </p:spPr>
-        <p:txBody>
-          <a:bodyPr>
-            <a:normAutofit/>
-          </a:bodyPr>
-          <a:lstStyle/>
-          <a:p>
-            <a:pPr>
-              <a:buClrTx/>
-            </a:pPr>
-            <a:r>
-              <a:rPr lang="en-US" dirty="0" smtClean="0"/>
-              <a:t>Character level embedding with LSTM</a:t>
-            </a:r>
-            <a:endParaRPr lang="en-US" dirty="0">
-              <a:solidFill>
-                <a:srgbClr val="FF0000"/>
-              </a:solidFill>
-            </a:endParaRPr>
           </a:p>
         </p:txBody>
       </p:sp>
@@ -5325,7 +5473,33 @@
             </a:pPr>
             <a:r>
               <a:rPr lang="en-US" dirty="0" smtClean="0"/>
-              <a:t>Difficult to produce legitimate recipes using character-level embedding</a:t>
+              <a:t>All three </a:t>
+            </a:r>
+            <a:r>
+              <a:rPr lang="en-US" dirty="0" err="1" smtClean="0"/>
+              <a:t>embeddings</a:t>
+            </a:r>
+            <a:r>
+              <a:rPr lang="en-US" dirty="0" smtClean="0"/>
+              <a:t> capable of producing reasonable recipes</a:t>
+            </a:r>
+            <a:endParaRPr lang="en-US" dirty="0" smtClean="0"/>
+          </a:p>
+          <a:p>
+            <a:pPr>
+              <a:buClrTx/>
+            </a:pPr>
+            <a:r>
+              <a:rPr lang="en-US" dirty="0" smtClean="0"/>
+              <a:t>Limitations </a:t>
+            </a:r>
+            <a:r>
+              <a:rPr lang="en-US" dirty="0"/>
+              <a:t>of </a:t>
+            </a:r>
+            <a:r>
+              <a:rPr lang="en-US" dirty="0" smtClean="0"/>
+              <a:t>approach</a:t>
             </a:r>
           </a:p>
           <a:p>
@@ -5334,7 +5508,15 @@
             </a:pPr>
             <a:r>
               <a:rPr lang="en-US" dirty="0" smtClean="0"/>
-              <a:t>Word2vec provides the best balance between legibility and creativity</a:t>
+              <a:t>Dictionary limited to those words/recipes available via the </a:t>
+            </a:r>
+            <a:r>
+              <a:rPr lang="en-US" dirty="0" err="1" smtClean="0"/>
+              <a:t>Yummly</a:t>
+            </a:r>
+            <a:r>
+              <a:rPr lang="en-US" dirty="0" smtClean="0"/>
+              <a:t> API</a:t>
             </a:r>
             <a:endParaRPr lang="en-US" dirty="0"/>
           </a:p>
@@ -5344,11 +5526,11 @@
             </a:pPr>
             <a:r>
               <a:rPr lang="en-US" dirty="0"/>
-              <a:t>Limitations of </a:t>
+              <a:t>How to improve/future </a:t>
             </a:r>
             <a:r>
               <a:rPr lang="en-US" dirty="0" smtClean="0"/>
-              <a:t>approach</a:t>
+              <a:t>work</a:t>
             </a:r>
           </a:p>
           <a:p>
@@ -5357,29 +5539,11 @@
             </a:pPr>
             <a:r>
               <a:rPr lang="en-US" dirty="0" smtClean="0"/>
-              <a:t>Dictionary limited to those words/recipes available via the </a:t>
-            </a:r>
-            <a:r>
-              <a:rPr lang="en-US" dirty="0" err="1" smtClean="0"/>
-              <a:t>Yummly</a:t>
+              <a:t>Generalize to include other types of food (e.g., muffins, </a:t>
             </a:r>
             <a:r>
               <a:rPr lang="en-US" dirty="0" smtClean="0"/>
-              <a:t> API</a:t>
-            </a:r>
-            <a:endParaRPr lang="en-US" dirty="0"/>
-          </a:p>
-          <a:p>
-            <a:pPr>
-              <a:buClrTx/>
-            </a:pPr>
-            <a:r>
-              <a:rPr lang="en-US" dirty="0"/>
-              <a:t>How to improve/future </a:t>
-            </a:r>
-            <a:r>
-              <a:rPr lang="en-US" dirty="0" smtClean="0"/>
-              <a:t>work</a:t>
+              <a:t>cakes) and see if generated recipes can be classified</a:t>
             </a:r>
           </a:p>
           <a:p>
@@ -5388,7 +5552,7 @@
             </a:pPr>
             <a:r>
               <a:rPr lang="en-US" dirty="0" smtClean="0"/>
-              <a:t>Generalize to include other types of food (e.g., muffins, cakes), then use combination of words specific to each type to seed recipe generation</a:t>
+              <a:t>Train model to classify recipes based on ingredients</a:t>
             </a:r>
           </a:p>
           <a:p>
@@ -5397,16 +5561,11 @@
             </a:pPr>
             <a:r>
               <a:rPr lang="en-US" dirty="0" smtClean="0"/>
-              <a:t>Train model to classify recipes based on ingredients</a:t>
-            </a:r>
-          </a:p>
-          <a:p>
-            <a:pPr lvl="1">
-              <a:buClrTx/>
-            </a:pPr>
+              <a:t>Include </a:t>
+            </a:r>
             <a:r>
               <a:rPr lang="en-US" dirty="0" smtClean="0"/>
-              <a:t>Include directions to give full recipes</a:t>
+              <a:t>directions to give full recipes</a:t>
             </a:r>
           </a:p>
           <a:p>
@@ -5550,7 +5709,7 @@
               <a:t>Sung</a:t>
             </a:r>
             <a:r>
-              <a:rPr lang="tr-TR" sz="2000" smtClean="0"/>
+              <a:rPr lang="tr-TR" sz="2000" dirty="0" smtClean="0"/>
               <a:t> Kim)</a:t>
             </a:r>
             <a:endParaRPr lang="en-US" sz="2000" dirty="0" smtClean="0"/>
@@ -5837,7 +5996,7 @@
                 <a:spcPct val="0"/>
               </a:spcBef>
               <a:spcAft>
-                <a:spcPct val="35000"/>
+                <a:spcPts val="1300"/>
               </a:spcAft>
             </a:pPr>
             <a:r>
@@ -5862,12 +6021,16 @@
             </a:pPr>
             <a:r>
               <a:rPr lang="en-US" sz="2200" dirty="0"/>
-              <a:t>Prepended the title of the recipe to the beginning of the recipe (within brackets) and tab-separated it from the ingredient list, which is comma </a:t>
-            </a:r>
-            <a:r>
-              <a:rPr lang="en-US" sz="2200" dirty="0" smtClean="0"/>
-              <a:t>separated</a:t>
-            </a:r>
+              <a:t>Prepended the title of the recipe to the beginning of the recipe </a:t>
+            </a:r>
+            <a:r>
+              <a:rPr lang="en-US" sz="2200" dirty="0"/>
+              <a:t/>
+            </a:r>
+            <a:br>
+              <a:rPr lang="en-US" sz="2200" dirty="0"/>
+            </a:br>
+            <a:endParaRPr lang="en-US" sz="2200" dirty="0" smtClean="0"/>
           </a:p>
           <a:p>
             <a:pPr marL="342900" indent="-342900" defTabSz="1022350">
@@ -5889,8 +6052,13 @@
             </a:r>
             <a:r>
               <a:rPr lang="en-US" sz="2200" dirty="0"/>
-              <a:t>synthetic data by shuffling the ingredient list for each recipe (while retaining the same title) to try and combat dependencies on ingredient order</a:t>
-            </a:r>
+              <a:t>synthetic data by shuffling the ingredient list for each </a:t>
+            </a:r>
+            <a:r>
+              <a:rPr lang="en-US" sz="2200" dirty="0" smtClean="0"/>
+              <a:t>recipe to combat order dependency</a:t>
+            </a:r>
+            <a:endParaRPr lang="en-US" sz="2200" dirty="0"/>
           </a:p>
           <a:p>
             <a:pPr lvl="0" defTabSz="1022350">
@@ -6144,6 +6312,11 @@
           </a:bodyPr>
           <a:lstStyle/>
           <a:p>
+            <a:pPr>
+              <a:spcAft>
+                <a:spcPts val="1300"/>
+              </a:spcAft>
+            </a:pPr>
             <a:r>
               <a:rPr lang="en-US" sz="2400" b="1" dirty="0" smtClean="0"/>
               <a:t>Consider embedding</a:t>
@@ -6156,10 +6329,10 @@
               <a:buChar char="•"/>
             </a:pPr>
             <a:r>
-              <a:rPr lang="en-US" sz="2100" dirty="0" smtClean="0"/>
+              <a:rPr lang="en-US" sz="2200" dirty="0" smtClean="0"/>
               <a:t>Use phrase2vec with different levels of embedding: </a:t>
             </a:r>
-            <a:endParaRPr lang="en-US" sz="2100" dirty="0"/>
+            <a:endParaRPr lang="en-US" sz="2200" dirty="0"/>
           </a:p>
           <a:p>
             <a:pPr marL="906170" lvl="1" indent="-342900">
@@ -6167,7 +6340,7 @@
               <a:buChar char="•"/>
             </a:pPr>
             <a:r>
-              <a:rPr lang="en-US" sz="2100" dirty="0" smtClean="0"/>
+              <a:rPr lang="en-US" sz="2200" dirty="0" smtClean="0"/>
               <a:t>character-level</a:t>
             </a:r>
           </a:p>
@@ -6177,7 +6350,7 @@
               <a:buChar char="•"/>
             </a:pPr>
             <a:r>
-              <a:rPr lang="en-US" sz="2100" dirty="0" smtClean="0"/>
+              <a:rPr lang="en-US" sz="2200" dirty="0" smtClean="0"/>
               <a:t>word-level</a:t>
             </a:r>
           </a:p>
@@ -6187,31 +6360,64 @@
               <a:buChar char="•"/>
             </a:pPr>
             <a:r>
-              <a:rPr lang="en-US" sz="2100" dirty="0" smtClean="0"/>
+              <a:rPr lang="en-US" sz="2200" dirty="0" smtClean="0"/>
               <a:t>phrase-level</a:t>
             </a:r>
-            <a:br>
-              <a:rPr lang="en-US" sz="2100" dirty="0" smtClean="0"/>
-            </a:br>
-            <a:endParaRPr lang="en-US" sz="2100" dirty="0" smtClean="0"/>
+            <a:endParaRPr lang="en-US" sz="2200" dirty="0" smtClean="0"/>
           </a:p>
           <a:p>
             <a:pPr marL="342900" indent="-342900">
               <a:buFont typeface="Arial" charset="0"/>
               <a:buChar char="•"/>
             </a:pPr>
-            <a:r>
-              <a:rPr lang="en-US" sz="2100" dirty="0" smtClean="0"/>
-              <a:t>For character-level, used a sentence of length 40 and a moving frame. For word- and phrase-level, used a sentence of length 50. </a:t>
-            </a:r>
-            <a:r>
-              <a:rPr lang="en-US" sz="2000" dirty="0" smtClean="0"/>
+            <a:endParaRPr lang="en-US" sz="2200" dirty="0" smtClean="0"/>
+          </a:p>
+          <a:p>
+            <a:pPr marL="342900" indent="-342900">
+              <a:buFont typeface="Arial" charset="0"/>
+              <a:buChar char="•"/>
+            </a:pPr>
+            <a:r>
+              <a:rPr lang="en-US" sz="2200" dirty="0" smtClean="0"/>
+              <a:t>Window length </a:t>
+            </a:r>
+            <a:endParaRPr lang="en-US" sz="2200" dirty="0"/>
+          </a:p>
+          <a:p>
+            <a:pPr marL="906170" lvl="1" indent="-342900">
+              <a:buFont typeface="Arial" charset="0"/>
+              <a:buChar char="•"/>
+            </a:pPr>
+            <a:r>
+              <a:rPr lang="en-US" sz="2200" dirty="0" smtClean="0"/>
+              <a:t>Character-level: 40</a:t>
+            </a:r>
+          </a:p>
+          <a:p>
+            <a:pPr marL="906170" lvl="1" indent="-342900">
+              <a:buFont typeface="Arial" charset="0"/>
+              <a:buChar char="•"/>
+            </a:pPr>
+            <a:r>
+              <a:rPr lang="en-US" sz="2200" dirty="0" smtClean="0"/>
+              <a:t>Word- </a:t>
+            </a:r>
+            <a:r>
+              <a:rPr lang="en-US" sz="2200" dirty="0" smtClean="0"/>
+              <a:t>and </a:t>
+            </a:r>
+            <a:r>
+              <a:rPr lang="en-US" sz="2200" dirty="0" smtClean="0"/>
+              <a:t>phrase-level: 50 </a:t>
+            </a:r>
+            <a:r>
+              <a:rPr lang="en-US" sz="2200" dirty="0" smtClean="0"/>
               <a:t/>
             </a:r>
             <a:br>
-              <a:rPr lang="en-US" sz="2000" dirty="0" smtClean="0"/>
+              <a:rPr lang="en-US" sz="2200" dirty="0" smtClean="0"/>
             </a:br>
-            <a:endParaRPr lang="en-US" sz="2000" dirty="0" smtClean="0"/>
+            <a:endParaRPr lang="en-US" sz="2200" dirty="0" smtClean="0"/>
           </a:p>
           <a:p>
             <a:pPr marL="342900" indent="-342900">
@@ -6461,13 +6667,15 @@
           </a:bodyPr>
           <a:lstStyle/>
           <a:p>
+            <a:pPr>
+              <a:spcAft>
+                <a:spcPts val="1300"/>
+              </a:spcAft>
+            </a:pPr>
             <a:r>
               <a:rPr lang="en-US" sz="2400" b="1" dirty="0" smtClean="0"/>
               <a:t>Model evaluation</a:t>
             </a:r>
-          </a:p>
-          <a:p>
-            <a:endParaRPr lang="en-US" sz="2400" b="1" dirty="0"/>
           </a:p>
           <a:p>
             <a:pPr marL="342900" indent="-342900">
@@ -6476,7 +6684,7 @@
             </a:pPr>
             <a:r>
               <a:rPr lang="en-US" sz="2400" dirty="0" smtClean="0"/>
-              <a:t>Ran the code with each levels of the embedding for 100 epochs</a:t>
+              <a:t>Ran the code with each levels of the embedding for at least 60 epochs</a:t>
             </a:r>
             <a:br>
               <a:rPr lang="en-US" sz="2400" dirty="0" smtClean="0"/>
@@ -6490,15 +6698,17 @@
             </a:pPr>
             <a:r>
               <a:rPr lang="en-US" sz="2400" dirty="0" smtClean="0"/>
-              <a:t>Evaluate model success by looking at the novel recipes generated by the model</a:t>
-            </a:r>
-          </a:p>
-          <a:p>
-            <a:pPr marL="342900" indent="-342900">
-              <a:buFont typeface="Arial" charset="0"/>
-              <a:buChar char="•"/>
-            </a:pPr>
-            <a:endParaRPr lang="en-US" sz="2000" dirty="0"/>
+              <a:t>Evaluate </a:t>
+            </a:r>
+            <a:r>
+              <a:rPr lang="en-US" sz="2400" dirty="0" smtClean="0"/>
+              <a:t>model success by looking </a:t>
+            </a:r>
+            <a:r>
+              <a:rPr lang="en-US" sz="2400" dirty="0" smtClean="0"/>
+              <a:t>at generated recipes</a:t>
+            </a:r>
+            <a:endParaRPr lang="en-US" sz="2400" dirty="0" smtClean="0"/>
           </a:p>
         </p:txBody>
       </p:sp>
@@ -6680,7 +6890,7 @@
         </p:spPr>
         <p:txBody>
           <a:bodyPr>
-            <a:normAutofit lnSpcReduction="10000"/>
+            <a:normAutofit/>
           </a:bodyPr>
           <a:lstStyle/>
           <a:p>
@@ -6688,20 +6898,8 @@
               <a:buClrTx/>
             </a:pPr>
             <a:r>
-              <a:rPr lang="en-US" dirty="0" err="1" smtClean="0"/>
-              <a:t>Yummly’s</a:t>
-            </a:r>
-            <a:r>
               <a:rPr lang="en-US" dirty="0" smtClean="0"/>
-              <a:t> API (a </a:t>
-            </a:r>
-            <a:r>
-              <a:rPr lang="en-US" dirty="0"/>
-              <a:t>recipe repository) </a:t>
-            </a:r>
-            <a:r>
-              <a:rPr lang="en-US" dirty="0" smtClean="0"/>
-              <a:t>provided 90,000 </a:t>
+              <a:t>Scraped 80,000 </a:t>
             </a:r>
             <a:r>
               <a:rPr lang="en-US" dirty="0"/>
@@ -6709,16 +6907,29 @@
             </a:r>
             <a:r>
               <a:rPr lang="en-US" dirty="0" smtClean="0"/>
-              <a:t>lists for </a:t>
+              <a:t>lists </a:t>
+            </a:r>
+            <a:r>
+              <a:rPr lang="en-US" dirty="0" smtClean="0"/>
+              <a:t>from </a:t>
+            </a:r>
+            <a:r>
+              <a:rPr lang="en-US" dirty="0" err="1" smtClean="0"/>
+              <a:t>Yummly</a:t>
+            </a:r>
+            <a:r>
+              <a:rPr lang="en-US" dirty="0" smtClean="0"/>
+              <a:t> on the </a:t>
             </a:r>
             <a:r>
               <a:rPr lang="en-US" dirty="0"/>
-              <a:t>the search parameter ‘cookie</a:t>
+              <a:t>search parameter ‘cookie</a:t>
             </a:r>
             <a:r>
               <a:rPr lang="en-US" dirty="0" smtClean="0"/>
-              <a:t>’.</a:t>
-            </a:r>
+              <a:t>’</a:t>
+            </a:r>
+            <a:endParaRPr lang="en-US" dirty="0" smtClean="0"/>
           </a:p>
           <a:p>
             <a:pPr>
@@ -6744,12 +6955,17 @@
             </a:pPr>
             <a:r>
               <a:rPr lang="en-US" dirty="0"/>
-              <a:t>Removed special characters and converted from Unicode to </a:t>
+              <a:t>Removed special characters </a:t>
             </a:r>
             <a:r>
               <a:rPr lang="en-US" dirty="0" smtClean="0"/>
-              <a:t>ASCII</a:t>
-            </a:r>
+              <a:t>from </a:t>
+            </a:r>
+            <a:r>
+              <a:rPr lang="en-US" dirty="0" smtClean="0"/>
+              <a:t>corpus</a:t>
+            </a:r>
+            <a:endParaRPr lang="en-US" dirty="0"/>
           </a:p>
           <a:p>
             <a:pPr lvl="1">
@@ -6757,24 +6973,11 @@
             </a:pPr>
             <a:r>
               <a:rPr lang="en-US" dirty="0" smtClean="0"/>
-              <a:t>Created </a:t>
-            </a:r>
-            <a:r>
-              <a:rPr lang="en-US" dirty="0"/>
-              <a:t>a dictionary of </a:t>
+              <a:t>Inspected </a:t>
             </a:r>
             <a:r>
               <a:rPr lang="en-US" dirty="0" smtClean="0"/>
-              <a:t>words by looking at the term frequency matrix of the corpus and removing any infrequent (&lt;100) terms</a:t>
-            </a:r>
-          </a:p>
-          <a:p>
-            <a:pPr lvl="1">
-              <a:buClrTx/>
-            </a:pPr>
-            <a:r>
-              <a:rPr lang="en-US" dirty="0" smtClean="0"/>
-              <a:t>Inspected the final dictionary and removed any words that were instructions or were unrelated to cookies</a:t>
+              <a:t>the final dictionary and removed any words that were instructions or were unrelated to cookies</a:t>
             </a:r>
           </a:p>
           <a:p>
@@ -6874,7 +7077,7 @@
         </p:nvSpPr>
         <p:spPr>
           <a:xfrm>
-            <a:off x="14254555" y="12750625"/>
+            <a:off x="14254555" y="12790607"/>
             <a:ext cx="4597082" cy="964189"/>
           </a:xfrm>
           <a:custGeom>
@@ -7379,7 +7582,7 @@
                 <a:spcPct val="0"/>
               </a:spcBef>
               <a:spcAft>
-                <a:spcPct val="35000"/>
+                <a:spcPts val="1300"/>
               </a:spcAft>
             </a:pPr>
             <a:r>
@@ -7403,7 +7606,19 @@
             </a:pPr>
             <a:r>
               <a:rPr lang="en-US" sz="2200" dirty="0" smtClean="0"/>
-              <a:t>Compared GRU and LSTM performance</a:t>
+              <a:t>Compared </a:t>
+            </a:r>
+            <a:r>
+              <a:rPr lang="en-US" sz="2200" dirty="0" smtClean="0"/>
+              <a:t>GRU </a:t>
+            </a:r>
+            <a:r>
+              <a:rPr lang="en-US" sz="2200" dirty="0" smtClean="0"/>
+              <a:t>and LSTM </a:t>
+            </a:r>
+            <a:r>
+              <a:rPr lang="en-US" sz="2200" dirty="0" smtClean="0"/>
+              <a:t>performance</a:t>
             </a:r>
             <a:br>
               <a:rPr lang="en-US" sz="2200" dirty="0" smtClean="0"/>
@@ -7426,7 +7641,11 @@
             </a:pPr>
             <a:r>
               <a:rPr lang="en-US" sz="2200" dirty="0" smtClean="0"/>
-              <a:t>Varied number of layers in the model (from 2 to 3)</a:t>
+              <a:t>Compared CNN and RNN performance</a:t>
+            </a:r>
+            <a:r>
+              <a:rPr lang="en-US" sz="2200" dirty="0" smtClean="0"/>
+              <a:t/>
             </a:r>
             <a:br>
               <a:rPr lang="en-US" sz="2200" dirty="0" smtClean="0"/>
@@ -7449,7 +7668,7 @@
             </a:pPr>
             <a:r>
               <a:rPr lang="en-US" sz="2200" dirty="0" smtClean="0"/>
-              <a:t>Adjusted the number of hidden neurons in the layers(128,256,512)</a:t>
+              <a:t>Varied number of layers in the model (from 2 to 3)</a:t>
             </a:r>
             <a:br>
               <a:rPr lang="en-US" sz="2200" dirty="0" smtClean="0"/>
@@ -7472,23 +7691,20 @@
             </a:pPr>
             <a:r>
               <a:rPr lang="en-US" sz="2200" dirty="0" smtClean="0"/>
-              <a:t>Considered bidirectional LSTM for char-RNN model</a:t>
-            </a:r>
-          </a:p>
-          <a:p>
-            <a:pPr marL="342900" lvl="0" indent="-342900" defTabSz="1022350">
-              <a:lnSpc>
-                <a:spcPct val="90000"/>
-              </a:lnSpc>
-              <a:spcBef>
-                <a:spcPct val="0"/>
-              </a:spcBef>
-              <a:spcAft>
-                <a:spcPct val="35000"/>
-              </a:spcAft>
-              <a:buFont typeface="Arial" charset="0"/>
-              <a:buChar char="•"/>
-            </a:pPr>
+              <a:t>Adjusted the number of </a:t>
+            </a:r>
+            <a:r>
+              <a:rPr lang="en-US" sz="2200" dirty="0" smtClean="0"/>
+              <a:t>neurons </a:t>
+            </a:r>
+            <a:r>
+              <a:rPr lang="en-US" sz="2200" dirty="0" smtClean="0"/>
+              <a:t>in the </a:t>
+            </a:r>
+            <a:r>
+              <a:rPr lang="en-US" sz="2200" dirty="0" smtClean="0"/>
+              <a:t>hidden layers(128, 256, 512)</a:t>
+            </a:r>
             <a:endParaRPr lang="en-US" sz="2000" dirty="0" smtClean="0"/>
           </a:p>
           <a:p>
@@ -7638,13 +7854,14 @@
                 <a:spcPct val="0"/>
               </a:spcBef>
               <a:spcAft>
-                <a:spcPct val="35000"/>
+                <a:spcPts val="1300"/>
               </a:spcAft>
             </a:pPr>
             <a:r>
               <a:rPr lang="en-US" sz="2400" b="1" dirty="0" smtClean="0"/>
               <a:t>Generate Recipes</a:t>
             </a:r>
+            <a:endParaRPr lang="en-US" sz="2400" b="1" dirty="0" smtClean="0"/>
           </a:p>
           <a:p>
             <a:pPr marL="342900" lvl="0" indent="-342900" defTabSz="1022350">
@@ -7662,7 +7879,7 @@
             </a:pPr>
             <a:r>
               <a:rPr lang="en-US" sz="2100" dirty="0" smtClean="0"/>
-              <a:t>Input a recipe title or keyword and use it search the training data for a matching title. </a:t>
+              <a:t>Use keyword (e.g. recipe title) to randomly select recipe from corpus</a:t>
             </a:r>
           </a:p>
           <a:p>
@@ -7679,7 +7896,7 @@
               <a:buFont typeface="Arial" charset="0"/>
               <a:buChar char="•"/>
             </a:pPr>
-            <a:endParaRPr lang="en-US" sz="2100" dirty="0"/>
+            <a:endParaRPr lang="en-US" sz="2100" dirty="0" smtClean="0"/>
           </a:p>
           <a:p>
             <a:pPr marL="342900" lvl="0" indent="-342900" defTabSz="1022350">
@@ -7697,7 +7914,7 @@
             </a:pPr>
             <a:r>
               <a:rPr lang="en-US" sz="2100" dirty="0" smtClean="0"/>
-              <a:t>Randomly select one recipe from the group of recipes that contain the keyword and use those words to seed recipe generation</a:t>
+              <a:t>Use first 40 characters of selected recipe as the seed</a:t>
             </a:r>
             <a:br>
               <a:rPr lang="en-US" sz="2100" dirty="0" smtClean="0"/>
@@ -7720,8 +7937,24 @@
             </a:pPr>
             <a:r>
               <a:rPr lang="en-US" sz="2100" dirty="0" smtClean="0"/>
-              <a:t>Compare to actual recipe in training data to see how similar the recipe is</a:t>
-            </a:r>
+              <a:t>Generate a recipe with trained model</a:t>
+            </a:r>
+          </a:p>
+          <a:p>
+            <a:pPr marL="342900" lvl="0" indent="-342900" defTabSz="1022350">
+              <a:lnSpc>
+                <a:spcPct val="90000"/>
+              </a:lnSpc>
+              <a:spcBef>
+                <a:spcPct val="0"/>
+              </a:spcBef>
+              <a:spcAft>
+                <a:spcPct val="35000"/>
+              </a:spcAft>
+              <a:buFont typeface="Arial" charset="0"/>
+              <a:buChar char="•"/>
+            </a:pPr>
+            <a:endParaRPr lang="en-US" sz="2100" dirty="0"/>
           </a:p>
           <a:p>
             <a:pPr lvl="0" defTabSz="1022350">
@@ -7876,120 +8109,6 @@
           </a:p>
         </p:txBody>
       </p:sp>
-      <p:sp>
-        <p:nvSpPr>
-          <p:cNvPr id="50" name="TextBox 49"/>
-          <p:cNvSpPr txBox="1"/>
-          <p:nvPr/>
-        </p:nvSpPr>
-        <p:spPr>
-          <a:xfrm>
-            <a:off x="14254554" y="18757186"/>
-            <a:ext cx="15541313" cy="7355860"/>
-          </a:xfrm>
-          <a:prstGeom prst="rect">
-            <a:avLst/>
-          </a:prstGeom>
-          <a:noFill/>
-        </p:spPr>
-        <p:txBody>
-          <a:bodyPr wrap="square" rtlCol="0">
-            <a:spAutoFit/>
-          </a:bodyPr>
-          <a:lstStyle/>
-          <a:p>
-            <a:r>
-              <a:rPr lang="en-US" sz="3200" b="1" dirty="0" smtClean="0"/>
-              <a:t>Current Approach</a:t>
-            </a:r>
-          </a:p>
-          <a:p>
-            <a:pPr marL="457200" indent="-457200">
-              <a:buFont typeface="Arial" charset="0"/>
-              <a:buChar char="•"/>
-            </a:pPr>
-            <a:r>
-              <a:rPr lang="en-US" sz="3200" dirty="0" smtClean="0"/>
-              <a:t>Recurrent Neural Network (RNN): connections between units form a direct cycle so that it can exhibit dynamic temporal behavior</a:t>
-            </a:r>
-          </a:p>
-          <a:p>
-            <a:pPr marL="457200" indent="-457200">
-              <a:buFont typeface="Arial" charset="0"/>
-              <a:buChar char="•"/>
-            </a:pPr>
-            <a:endParaRPr lang="en-US" sz="3200" dirty="0"/>
-          </a:p>
-          <a:p>
-            <a:pPr marL="457200" indent="-457200">
-              <a:buFont typeface="Arial" charset="0"/>
-              <a:buChar char="•"/>
-            </a:pPr>
-            <a:endParaRPr lang="en-US" sz="3200" dirty="0" smtClean="0"/>
-          </a:p>
-          <a:p>
-            <a:pPr marL="457200" indent="-457200">
-              <a:buFont typeface="Arial" charset="0"/>
-              <a:buChar char="•"/>
-            </a:pPr>
-            <a:endParaRPr lang="en-US" sz="3200" dirty="0"/>
-          </a:p>
-          <a:p>
-            <a:pPr marL="457200" indent="-457200">
-              <a:buFont typeface="Arial" charset="0"/>
-              <a:buChar char="•"/>
-            </a:pPr>
-            <a:endParaRPr lang="en-US" sz="3200" dirty="0" smtClean="0"/>
-          </a:p>
-          <a:p>
-            <a:pPr marL="457200" indent="-457200">
-              <a:buFont typeface="Arial" charset="0"/>
-              <a:buChar char="•"/>
-            </a:pPr>
-            <a:endParaRPr lang="en-US" sz="3200" dirty="0"/>
-          </a:p>
-          <a:p>
-            <a:pPr marL="457200" indent="-457200">
-              <a:buFont typeface="Arial" charset="0"/>
-              <a:buChar char="•"/>
-            </a:pPr>
-            <a:endParaRPr lang="en-US" sz="3200" dirty="0" smtClean="0"/>
-          </a:p>
-          <a:p>
-            <a:r>
-              <a:rPr lang="en-US" sz="2400" dirty="0" smtClean="0"/>
-              <a:t>                   Figure 1 Illustration of RNN                                                  Figure 2 LSTM vs GRU</a:t>
-            </a:r>
-          </a:p>
-          <a:p>
-            <a:pPr marL="457200" indent="-457200">
-              <a:buFont typeface="Arial" charset="0"/>
-              <a:buChar char="•"/>
-            </a:pPr>
-            <a:endParaRPr lang="en-US" sz="3200" dirty="0" smtClean="0"/>
-          </a:p>
-          <a:p>
-            <a:pPr marL="457200" indent="-457200">
-              <a:buFont typeface="Arial" charset="0"/>
-              <a:buChar char="•"/>
-            </a:pPr>
-            <a:r>
-              <a:rPr lang="en-US" sz="3200" dirty="0" smtClean="0"/>
-              <a:t>Long short-term memory (LSTM) improves upon RNNs using memory cells that remember long-term values</a:t>
-            </a:r>
-          </a:p>
-          <a:p>
-            <a:pPr marL="457200" indent="-457200">
-              <a:buFont typeface="Arial" charset="0"/>
-              <a:buChar char="•"/>
-            </a:pPr>
-            <a:r>
-              <a:rPr lang="en-US" sz="3200" dirty="0" smtClean="0"/>
-              <a:t>Gated recurrent units’ (GRUs) performance is similar to LSTM but the model has fewer parameters, as they lack an output gate</a:t>
-            </a:r>
-          </a:p>
-        </p:txBody>
-      </p:sp>
       <p:pic>
         <p:nvPicPr>
           <p:cNvPr id="3" name="Picture 2"/>
@@ -8012,7 +8131,7 @@
         </p:blipFill>
         <p:spPr>
           <a:xfrm>
-            <a:off x="14254554" y="20310733"/>
+            <a:off x="14254554" y="20493613"/>
             <a:ext cx="7171930" cy="2877793"/>
           </a:xfrm>
           <a:prstGeom prst="rect">
@@ -8042,7 +8161,7 @@
         </p:blipFill>
         <p:spPr>
           <a:xfrm>
-            <a:off x="22025211" y="20310734"/>
+            <a:off x="22025211" y="20493614"/>
             <a:ext cx="7292740" cy="2878914"/>
           </a:xfrm>
           <a:prstGeom prst="rect">
@@ -8149,7 +8268,7 @@
         <p:spPr>
           <a:xfrm>
             <a:off x="23505443" y="31093976"/>
-            <a:ext cx="5302564" cy="461665"/>
+            <a:ext cx="5302564" cy="830997"/>
           </a:xfrm>
           <a:prstGeom prst="rect">
             <a:avLst/>
@@ -8164,7 +8283,15 @@
           <a:p>
             <a:r>
               <a:rPr lang="en-US" sz="2400" dirty="0" smtClean="0"/>
-              <a:t>Figure 3 The </a:t>
+              <a:t>Figure </a:t>
+            </a:r>
+            <a:r>
+              <a:rPr lang="en-US" sz="2400" dirty="0" smtClean="0"/>
+              <a:t>3: </a:t>
+            </a:r>
+            <a:r>
+              <a:rPr lang="en-US" sz="2400" dirty="0" smtClean="0"/>
+              <a:t>The </a:t>
             </a:r>
             <a:r>
               <a:rPr lang="en-US" sz="2400" dirty="0"/>
@@ -8187,7 +8314,7 @@
         <p:spPr>
           <a:xfrm>
             <a:off x="14228139" y="26603482"/>
-            <a:ext cx="8936349" cy="5016758"/>
+            <a:ext cx="8936349" cy="4524315"/>
           </a:xfrm>
           <a:prstGeom prst="rect">
             <a:avLst/>
@@ -8202,8 +8329,13 @@
           <a:p>
             <a:r>
               <a:rPr lang="en-US" sz="3200" b="1" dirty="0" smtClean="0"/>
-              <a:t>Alternative Approach</a:t>
-            </a:r>
+              <a:t>Alternative </a:t>
+            </a:r>
+            <a:r>
+              <a:rPr lang="en-US" sz="3200" b="1" dirty="0" smtClean="0"/>
+              <a:t>Approaches</a:t>
+            </a:r>
+            <a:endParaRPr lang="en-US" sz="3200" b="1" dirty="0" smtClean="0"/>
           </a:p>
           <a:p>
             <a:pPr marL="457200" indent="-457200">
@@ -8211,16 +8343,20 @@
               <a:buChar char="•"/>
             </a:pPr>
             <a:r>
+              <a:rPr lang="en-US" sz="3200" u="sng" dirty="0" smtClean="0"/>
+              <a:t>Bidirectional</a:t>
+            </a:r>
+            <a:r>
+              <a:rPr lang="en-US" sz="3200" u="sng" dirty="0"/>
+              <a:t> </a:t>
+            </a:r>
+            <a:r>
+              <a:rPr lang="en-US" sz="3200" u="sng" dirty="0" smtClean="0"/>
+              <a:t>RNNs</a:t>
+            </a:r>
+            <a:r>
               <a:rPr lang="en-US" sz="3200" dirty="0" smtClean="0"/>
-              <a:t>Bidirectional</a:t>
-            </a:r>
-            <a:r>
-              <a:rPr lang="en-US" sz="3200" dirty="0"/>
-              <a:t> </a:t>
-            </a:r>
-            <a:r>
-              <a:rPr lang="en-US" sz="3200" dirty="0" smtClean="0"/>
-              <a:t>RNN: </a:t>
+              <a:t>: </a:t>
             </a:r>
             <a:r>
               <a:rPr lang="en-US" sz="3200" dirty="0"/>
@@ -8228,7 +8364,11 @@
             </a:r>
             <a:r>
               <a:rPr lang="en-US" sz="3200" dirty="0" smtClean="0"/>
-              <a:t>output, so the output layer can get information from both past (left context) and future (right context) states</a:t>
+              <a:t>output, so the output layer can get information from both past </a:t>
+            </a:r>
+            <a:r>
+              <a:rPr lang="en-US" sz="3200" dirty="0" smtClean="0"/>
+              <a:t>and future states</a:t>
             </a:r>
           </a:p>
           <a:p>
@@ -8236,220 +8376,26 @@
               <a:buFont typeface="Arial" charset="0"/>
               <a:buChar char="•"/>
             </a:pPr>
+            <a:endParaRPr lang="en-US" sz="3200" dirty="0" smtClean="0"/>
+          </a:p>
+          <a:p>
+            <a:pPr marL="457200" indent="-457200">
+              <a:buFont typeface="Arial" charset="0"/>
+              <a:buChar char="•"/>
+            </a:pPr>
+            <a:r>
+              <a:rPr lang="en-US" sz="3200" u="sng" dirty="0" smtClean="0"/>
+              <a:t>Convolutional NNs</a:t>
+            </a:r>
+            <a:r>
+              <a:rPr lang="en-US" sz="3200" dirty="0" smtClean="0"/>
+              <a:t>: </a:t>
+            </a:r>
             <a:r>
               <a:rPr lang="en-US" altLang="zh-CN" sz="3200" dirty="0" smtClean="0"/>
-              <a:t>Dynamic</a:t>
-            </a:r>
-            <a:r>
-              <a:rPr lang="zh-CN" altLang="en-US" sz="3200" dirty="0" smtClean="0"/>
-              <a:t> </a:t>
-            </a:r>
-            <a:r>
-              <a:rPr lang="en-US" sz="3200" dirty="0" smtClean="0"/>
-              <a:t>Convolutional NN: </a:t>
-            </a:r>
-            <a:r>
-              <a:rPr lang="en-US" altLang="zh-CN" sz="3200" dirty="0" smtClean="0"/>
-              <a:t>the</a:t>
-            </a:r>
-            <a:r>
-              <a:rPr lang="zh-CN" altLang="en-US" sz="3200" dirty="0" smtClean="0"/>
-              <a:t> </a:t>
-            </a:r>
-            <a:r>
-              <a:rPr lang="en-US" altLang="zh-CN" sz="3200" dirty="0" smtClean="0"/>
-              <a:t>connectivity</a:t>
-            </a:r>
-            <a:r>
-              <a:rPr lang="zh-CN" altLang="en-US" sz="3200" dirty="0" smtClean="0"/>
-              <a:t> </a:t>
-            </a:r>
-            <a:r>
-              <a:rPr lang="en-US" altLang="zh-CN" sz="3200" dirty="0" smtClean="0"/>
-              <a:t>pattern</a:t>
-            </a:r>
-            <a:r>
-              <a:rPr lang="zh-CN" altLang="en-US" sz="3200" dirty="0" smtClean="0"/>
-              <a:t> </a:t>
-            </a:r>
-            <a:r>
-              <a:rPr lang="en-US" altLang="zh-CN" sz="3200" dirty="0" smtClean="0"/>
-              <a:t>between</a:t>
-            </a:r>
-            <a:r>
-              <a:rPr lang="zh-CN" altLang="en-US" sz="3200" dirty="0" smtClean="0"/>
-              <a:t> </a:t>
-            </a:r>
-            <a:r>
-              <a:rPr lang="en-US" altLang="zh-CN" sz="3200" dirty="0" smtClean="0"/>
-              <a:t>its</a:t>
-            </a:r>
-            <a:r>
-              <a:rPr lang="zh-CN" altLang="en-US" sz="3200" dirty="0" smtClean="0"/>
-              <a:t> </a:t>
-            </a:r>
-            <a:r>
-              <a:rPr lang="en-US" altLang="zh-CN" sz="3200" dirty="0" smtClean="0"/>
-              <a:t>neurons</a:t>
-            </a:r>
-            <a:r>
-              <a:rPr lang="zh-CN" altLang="en-US" sz="3200" dirty="0" smtClean="0"/>
-              <a:t> </a:t>
-            </a:r>
-            <a:r>
-              <a:rPr lang="en-US" altLang="zh-CN" sz="3200" dirty="0" smtClean="0"/>
-              <a:t>is</a:t>
-            </a:r>
-            <a:r>
-              <a:rPr lang="zh-CN" altLang="en-US" sz="3200" dirty="0" smtClean="0"/>
-              <a:t> </a:t>
-            </a:r>
-            <a:r>
-              <a:rPr lang="en-US" altLang="zh-CN" sz="3200" dirty="0" smtClean="0"/>
-              <a:t>just</a:t>
-            </a:r>
-            <a:r>
-              <a:rPr lang="zh-CN" altLang="en-US" sz="3200" dirty="0" smtClean="0"/>
-              <a:t> </a:t>
-            </a:r>
-            <a:r>
-              <a:rPr lang="en-US" altLang="zh-CN" sz="3200" dirty="0" smtClean="0"/>
-              <a:t>like</a:t>
-            </a:r>
-            <a:r>
-              <a:rPr lang="zh-CN" altLang="en-US" sz="3200" dirty="0" smtClean="0"/>
-              <a:t> </a:t>
-            </a:r>
-            <a:r>
-              <a:rPr lang="en-US" altLang="zh-CN" sz="3200" dirty="0" smtClean="0"/>
-              <a:t>animal</a:t>
-            </a:r>
-            <a:r>
-              <a:rPr lang="zh-CN" altLang="en-US" sz="3200" dirty="0" smtClean="0"/>
-              <a:t> </a:t>
-            </a:r>
-            <a:r>
-              <a:rPr lang="en-US" altLang="zh-CN" sz="3200" dirty="0" smtClean="0"/>
-              <a:t>visual</a:t>
-            </a:r>
-            <a:r>
-              <a:rPr lang="zh-CN" altLang="en-US" sz="3200" dirty="0" smtClean="0"/>
-              <a:t> </a:t>
-            </a:r>
-            <a:r>
-              <a:rPr lang="en-US" altLang="zh-CN" sz="3200" dirty="0" smtClean="0"/>
-              <a:t>cortex.</a:t>
-            </a:r>
-            <a:r>
-              <a:rPr lang="zh-CN" altLang="en-US" sz="3200" dirty="0" smtClean="0"/>
-              <a:t> </a:t>
-            </a:r>
-            <a:r>
-              <a:rPr lang="en-US" altLang="zh-CN" sz="3200" dirty="0" smtClean="0"/>
-              <a:t>This</a:t>
-            </a:r>
-            <a:r>
-              <a:rPr lang="zh-CN" altLang="en-US" sz="3200" dirty="0"/>
-              <a:t> </a:t>
-            </a:r>
-            <a:r>
-              <a:rPr lang="en-US" altLang="zh-CN" sz="3200" dirty="0" smtClean="0"/>
-              <a:t>network</a:t>
-            </a:r>
-            <a:r>
-              <a:rPr lang="zh-CN" altLang="en-US" sz="3200" dirty="0" smtClean="0"/>
-              <a:t> </a:t>
-            </a:r>
-            <a:r>
-              <a:rPr lang="en-US" altLang="zh-CN" sz="3200" dirty="0" smtClean="0"/>
-              <a:t>can</a:t>
-            </a:r>
-            <a:r>
-              <a:rPr lang="zh-CN" altLang="en-US" sz="3200" dirty="0" smtClean="0"/>
-              <a:t> </a:t>
-            </a:r>
-            <a:r>
-              <a:rPr lang="en-US" altLang="zh-CN" sz="3200" dirty="0" smtClean="0"/>
-              <a:t>be</a:t>
-            </a:r>
-            <a:r>
-              <a:rPr lang="zh-CN" altLang="en-US" sz="3200" dirty="0" smtClean="0"/>
-              <a:t> </a:t>
-            </a:r>
-            <a:r>
-              <a:rPr lang="en-US" altLang="zh-CN" sz="3200" dirty="0" smtClean="0"/>
-              <a:t>used</a:t>
-            </a:r>
-            <a:r>
-              <a:rPr lang="zh-CN" altLang="en-US" sz="3200" dirty="0" smtClean="0"/>
-              <a:t> </a:t>
-            </a:r>
-            <a:r>
-              <a:rPr lang="en-US" altLang="zh-CN" sz="3200" dirty="0" smtClean="0"/>
-              <a:t>to</a:t>
-            </a:r>
-            <a:r>
-              <a:rPr lang="zh-CN" altLang="en-US" sz="3200" dirty="0" smtClean="0"/>
-              <a:t> </a:t>
-            </a:r>
-            <a:r>
-              <a:rPr lang="en-US" altLang="zh-CN" sz="3200" dirty="0" smtClean="0"/>
-              <a:t>do</a:t>
-            </a:r>
-            <a:r>
-              <a:rPr lang="zh-CN" altLang="en-US" sz="3200" dirty="0" smtClean="0"/>
-              <a:t> </a:t>
-            </a:r>
-            <a:r>
-              <a:rPr lang="en-US" altLang="zh-CN" sz="3200" dirty="0" smtClean="0"/>
-              <a:t>sentence</a:t>
-            </a:r>
-            <a:r>
-              <a:rPr lang="zh-CN" altLang="en-US" sz="3200" dirty="0" smtClean="0"/>
-              <a:t> </a:t>
-            </a:r>
-            <a:r>
-              <a:rPr lang="en-US" altLang="zh-CN" sz="3200" dirty="0" smtClean="0"/>
-              <a:t>modeling.</a:t>
-            </a:r>
-            <a:r>
-              <a:rPr lang="zh-CN" altLang="en-US" sz="3200" dirty="0" smtClean="0"/>
-              <a:t> </a:t>
+              <a:t>use layers with different numbers of hidden neurons to capture a range of time dependent features</a:t>
             </a:r>
             <a:endParaRPr lang="en-US" sz="3200" dirty="0" smtClean="0"/>
-          </a:p>
-        </p:txBody>
-      </p:sp>
-      <p:sp>
-        <p:nvSpPr>
-          <p:cNvPr id="42" name="Content Placeholder 5"/>
-          <p:cNvSpPr>
-            <a:spLocks noGrp="1"/>
-          </p:cNvSpPr>
-          <p:nvPr>
-            <p:ph sz="quarter" idx="33"/>
-          </p:nvPr>
-        </p:nvSpPr>
-        <p:spPr>
-          <a:xfrm>
-            <a:off x="30776379" y="7613490"/>
-            <a:ext cx="12801600" cy="1255220"/>
-          </a:xfrm>
-        </p:spPr>
-        <p:txBody>
-          <a:bodyPr>
-            <a:normAutofit/>
-          </a:bodyPr>
-          <a:lstStyle/>
-          <a:p>
-            <a:pPr>
-              <a:buClrTx/>
-            </a:pPr>
-            <a:r>
-              <a:rPr lang="en-US" dirty="0" smtClean="0"/>
-              <a:t>Character level embedding with CNN </a:t>
-            </a:r>
-            <a:endParaRPr lang="en-US" dirty="0"/>
           </a:p>
         </p:txBody>
       </p:sp>
@@ -8461,7 +8407,7 @@
         </p:nvSpPr>
         <p:spPr>
           <a:xfrm>
-            <a:off x="1158240" y="27043060"/>
+            <a:off x="1158239" y="26693251"/>
             <a:ext cx="11368099" cy="1938992"/>
           </a:xfrm>
           <a:prstGeom prst="rect">
@@ -8531,7 +8477,7 @@
         </p:nvSpPr>
         <p:spPr>
           <a:xfrm>
-            <a:off x="1158239" y="29819304"/>
+            <a:off x="1158239" y="29654161"/>
             <a:ext cx="11368099" cy="1569660"/>
           </a:xfrm>
           <a:prstGeom prst="rect">
@@ -8601,7 +8547,7 @@
         </p:blipFill>
         <p:spPr>
           <a:xfrm>
-            <a:off x="31382567" y="8469313"/>
+            <a:off x="31382567" y="8068328"/>
             <a:ext cx="6024417" cy="4141787"/>
           </a:xfrm>
         </p:spPr>
@@ -8630,7 +8576,7 @@
         </p:blipFill>
         <p:spPr>
           <a:xfrm>
-            <a:off x="37406984" y="8492331"/>
+            <a:off x="37406984" y="8091346"/>
             <a:ext cx="6026727" cy="4143375"/>
           </a:xfrm>
         </p:spPr>
@@ -8659,7 +8605,7 @@
         </p:blipFill>
         <p:spPr>
           <a:xfrm>
-            <a:off x="31382567" y="14172270"/>
+            <a:off x="31332652" y="13107141"/>
             <a:ext cx="6024417" cy="4141786"/>
           </a:xfrm>
         </p:spPr>
@@ -8723,7 +8669,7 @@
         </p:nvSpPr>
         <p:spPr>
           <a:xfrm>
-            <a:off x="32003355" y="12369988"/>
+            <a:off x="32003355" y="12024660"/>
             <a:ext cx="4260380" cy="774027"/>
           </a:xfrm>
         </p:spPr>
@@ -8770,7 +8716,7 @@
         </p:nvSpPr>
         <p:spPr>
           <a:xfrm>
-            <a:off x="38180172" y="18018901"/>
+            <a:off x="38130257" y="17046784"/>
             <a:ext cx="4260380" cy="774027"/>
           </a:xfrm>
         </p:spPr>
@@ -8829,7 +8775,7 @@
         </p:blipFill>
         <p:spPr>
           <a:xfrm>
-            <a:off x="37409294" y="14082410"/>
+            <a:off x="37406642" y="13107141"/>
             <a:ext cx="6024416" cy="4141786"/>
           </a:xfrm>
         </p:spPr>
@@ -8846,7 +8792,7 @@
         </p:nvSpPr>
         <p:spPr>
           <a:xfrm>
-            <a:off x="32003355" y="18199271"/>
+            <a:off x="31953440" y="17046784"/>
             <a:ext cx="4260380" cy="774027"/>
           </a:xfrm>
         </p:spPr>
@@ -8893,7 +8839,7 @@
         </p:nvSpPr>
         <p:spPr>
           <a:xfrm>
-            <a:off x="38180172" y="12522387"/>
+            <a:off x="38180172" y="12024660"/>
             <a:ext cx="4260380" cy="774027"/>
           </a:xfrm>
         </p:spPr>
@@ -8925,6 +8871,76 @@
               <a:t>Heat map with diversity = 1.2</a:t>
             </a:r>
             <a:endParaRPr lang="en-US" sz="2000" dirty="0"/>
+          </a:p>
+        </p:txBody>
+      </p:sp>
+      <p:sp>
+        <p:nvSpPr>
+          <p:cNvPr id="42" name="Content Placeholder 5"/>
+          <p:cNvSpPr>
+            <a:spLocks noGrp="1"/>
+          </p:cNvSpPr>
+          <p:nvPr>
+            <p:ph sz="quarter" idx="33"/>
+          </p:nvPr>
+        </p:nvSpPr>
+        <p:spPr>
+          <a:xfrm>
+            <a:off x="30776379" y="7613490"/>
+            <a:ext cx="12801600" cy="1255220"/>
+          </a:xfrm>
+        </p:spPr>
+        <p:txBody>
+          <a:bodyPr>
+            <a:normAutofit/>
+          </a:bodyPr>
+          <a:lstStyle/>
+          <a:p>
+            <a:pPr>
+              <a:buClrTx/>
+            </a:pPr>
+            <a:r>
+              <a:rPr lang="en-US" dirty="0" smtClean="0"/>
+              <a:t>Character level embedding with CNN </a:t>
+            </a:r>
+            <a:endParaRPr lang="en-US" dirty="0"/>
+          </a:p>
+        </p:txBody>
+      </p:sp>
+      <p:sp>
+        <p:nvSpPr>
+          <p:cNvPr id="6" name="Content Placeholder 5"/>
+          <p:cNvSpPr>
+            <a:spLocks noGrp="1"/>
+          </p:cNvSpPr>
+          <p:nvPr>
+            <p:ph sz="quarter" idx="33"/>
+          </p:nvPr>
+        </p:nvSpPr>
+        <p:spPr>
+          <a:xfrm>
+            <a:off x="30791620" y="12560913"/>
+            <a:ext cx="12801600" cy="880767"/>
+          </a:xfrm>
+        </p:spPr>
+        <p:txBody>
+          <a:bodyPr>
+            <a:normAutofit/>
+          </a:bodyPr>
+          <a:lstStyle/>
+          <a:p>
+            <a:pPr>
+              <a:buClrTx/>
+            </a:pPr>
+            <a:r>
+              <a:rPr lang="en-US" dirty="0" smtClean="0"/>
+              <a:t>Character level embedding with LSTM</a:t>
+            </a:r>
+            <a:endParaRPr lang="en-US" dirty="0">
+              <a:solidFill>
+                <a:srgbClr val="FF0000"/>
+              </a:solidFill>
+            </a:endParaRPr>
           </a:p>
         </p:txBody>
       </p:sp>

--- a/ConvectionNNPoster_V2.pptx
+++ b/ConvectionNNPoster_V2.pptx
@@ -4806,6 +4806,63 @@
       </p:grpSpPr>
       <p:sp>
         <p:nvSpPr>
+          <p:cNvPr id="52" name="Content Placeholder 5"/>
+          <p:cNvSpPr>
+            <a:spLocks noGrp="1"/>
+          </p:cNvSpPr>
+          <p:nvPr>
+            <p:ph sz="quarter" idx="33"/>
+          </p:nvPr>
+        </p:nvSpPr>
+        <p:spPr>
+          <a:xfrm>
+            <a:off x="30791620" y="6917029"/>
+            <a:ext cx="12801600" cy="13576584"/>
+          </a:xfrm>
+          <a:solidFill>
+            <a:schemeClr val="tx2">
+              <a:lumMod val="10000"/>
+              <a:lumOff val="90000"/>
+            </a:schemeClr>
+          </a:solidFill>
+        </p:spPr>
+        <p:txBody>
+          <a:bodyPr>
+            <a:normAutofit/>
+          </a:bodyPr>
+          <a:lstStyle/>
+          <a:p>
+            <a:pPr marL="0" marR="0" lvl="0" indent="0" defTabSz="914400" eaLnBrk="1" fontAlgn="auto" latinLnBrk="0" hangingPunct="1">
+              <a:lnSpc>
+                <a:spcPct val="100000"/>
+              </a:lnSpc>
+              <a:spcBef>
+                <a:spcPts val="0"/>
+              </a:spcBef>
+              <a:spcAft>
+                <a:spcPts val="0"/>
+              </a:spcAft>
+              <a:buClrTx/>
+              <a:buSzTx/>
+              <a:buFontTx/>
+              <a:buNone/>
+              <a:tabLst/>
+              <a:defRPr/>
+            </a:pPr>
+            <a:r>
+              <a:rPr lang="en-US" dirty="0" smtClean="0"/>
+              <a:t>Seed text generated from first 40 characters of oatmeal </a:t>
+            </a:r>
+            <a:r>
+              <a:rPr lang="en-US" dirty="0" smtClean="0"/>
+              <a:t>cookie recipe</a:t>
+            </a:r>
+            <a:endParaRPr lang="en-US" dirty="0"/>
+          </a:p>
+        </p:txBody>
+      </p:sp>
+      <p:sp>
+        <p:nvSpPr>
           <p:cNvPr id="50" name="TextBox 49"/>
           <p:cNvSpPr txBox="1"/>
           <p:nvPr/>
@@ -4828,13 +4885,8 @@
           <a:p>
             <a:r>
               <a:rPr lang="en-US" sz="3200" b="1" dirty="0" smtClean="0"/>
-              <a:t>Current </a:t>
-            </a:r>
-            <a:r>
-              <a:rPr lang="en-US" sz="3200" b="1" dirty="0" smtClean="0"/>
-              <a:t>Approach</a:t>
-            </a:r>
-            <a:endParaRPr lang="en-US" sz="3200" b="1" dirty="0" smtClean="0"/>
+              <a:t>Current Approach</a:t>
+            </a:r>
           </a:p>
           <a:p>
             <a:pPr marL="457200" indent="-457200">
@@ -4843,19 +4895,7 @@
             </a:pPr>
             <a:r>
               <a:rPr lang="en-US" sz="3200" u="sng" dirty="0" smtClean="0"/>
-              <a:t>Recurrent Neural </a:t>
-            </a:r>
-            <a:r>
-              <a:rPr lang="en-US" sz="3200" u="sng" dirty="0" smtClean="0"/>
-              <a:t>Networks </a:t>
-            </a:r>
-            <a:r>
-              <a:rPr lang="en-US" sz="3200" u="sng" dirty="0" smtClean="0"/>
-              <a:t>(</a:t>
-            </a:r>
-            <a:r>
-              <a:rPr lang="en-US" sz="3200" u="sng" dirty="0" smtClean="0"/>
-              <a:t>RNNs):</a:t>
+              <a:t>Recurrent Neural Networks (RNNs):</a:t>
             </a:r>
             <a:r>
               <a:rPr lang="en-US" sz="3200" dirty="0" smtClean="0"/>
@@ -4914,11 +4954,7 @@
           <a:p>
             <a:r>
               <a:rPr lang="en-US" sz="2400" dirty="0" smtClean="0"/>
-              <a:t>                   </a:t>
-            </a:r>
-            <a:r>
-              <a:rPr lang="en-US" sz="2400" dirty="0" smtClean="0"/>
-              <a:t>Figure 1 Illustration of RNN                                                  Figure 2 LSTM vs GRU</a:t>
+              <a:t>                   Figure 1 Illustration of RNN                                                  Figure 2 LSTM vs GRU</a:t>
             </a:r>
           </a:p>
           <a:p>
@@ -4935,11 +4971,7 @@
             </a:pPr>
             <a:r>
               <a:rPr lang="en-US" sz="3200" dirty="0" smtClean="0"/>
-              <a:t>Long short-term memory (LSTM) improves upon RNNs using memory cells that remember long-term </a:t>
-            </a:r>
-            <a:r>
-              <a:rPr lang="en-US" sz="3200" dirty="0" smtClean="0"/>
-              <a:t>values</a:t>
+              <a:t>Long short-term memory (LSTM) improves upon RNNs using memory cells that remember long-term values</a:t>
             </a:r>
             <a:br>
               <a:rPr lang="en-US" sz="3200" dirty="0" smtClean="0"/>
@@ -4953,15 +4985,7 @@
             </a:pPr>
             <a:r>
               <a:rPr lang="en-US" sz="3200" dirty="0" smtClean="0"/>
-              <a:t>Gated recurrent units’ (</a:t>
-            </a:r>
-            <a:r>
-              <a:rPr lang="en-US" sz="3200" dirty="0" smtClean="0"/>
-              <a:t>GRUs) are similar to LSTMs, but lack </a:t>
-            </a:r>
-            <a:r>
-              <a:rPr lang="en-US" sz="3200" dirty="0" smtClean="0"/>
-              <a:t>an output gate</a:t>
+              <a:t>Gated recurrent units’ (GRUs) are similar to LSTMs, but lack an output gate</a:t>
             </a:r>
           </a:p>
         </p:txBody>
@@ -5246,11 +5270,7 @@
             </a:r>
             <a:r>
               <a:rPr lang="en-US" sz="3200" dirty="0" smtClean="0"/>
-              <a:t>experiment </a:t>
-            </a:r>
-            <a:r>
-              <a:rPr lang="en-US" sz="3200" dirty="0" smtClean="0"/>
-              <a:t>with</a:t>
+              <a:t>experiment with</a:t>
             </a:r>
             <a:br>
               <a:rPr lang="en-US" sz="3200" dirty="0" smtClean="0"/>
@@ -5271,13 +5291,8 @@
             </a:pPr>
             <a:r>
               <a:rPr lang="en-US" sz="3200" dirty="0" smtClean="0"/>
-              <a:t>Current machine learning models are effective at copying and regurgitating </a:t>
-            </a:r>
-            <a:r>
-              <a:rPr lang="en-US" sz="3200" dirty="0" smtClean="0"/>
-              <a:t>inputs</a:t>
-            </a:r>
-            <a:endParaRPr lang="en-US" sz="3200" dirty="0" smtClean="0"/>
+              <a:t>Current machine learning models are effective at copying and regurgitating inputs</a:t>
+            </a:r>
           </a:p>
           <a:p>
             <a:pPr marL="457200" indent="-457200">
@@ -5326,7 +5341,6 @@
               <a:rPr lang="en-US" sz="3200" dirty="0" smtClean="0"/>
               <a:t>Models have been trained on a very general set of recipes including multiple types of food </a:t>
             </a:r>
-            <a:endParaRPr lang="en-US" sz="3200" dirty="0" smtClean="0"/>
           </a:p>
           <a:p>
             <a:pPr marL="457200" indent="-457200">
@@ -5336,17 +5350,8 @@
             </a:pPr>
             <a:r>
               <a:rPr lang="en-US" sz="3200" dirty="0" smtClean="0"/>
-              <a:t>Some </a:t>
-            </a:r>
-            <a:r>
-              <a:rPr lang="en-US" sz="3200" dirty="0" smtClean="0"/>
-              <a:t>common ingredient like salt appears in recipes as varied as cakes, burgers and pizzas, confusing the </a:t>
-            </a:r>
-            <a:r>
-              <a:rPr lang="en-US" sz="3200" dirty="0" smtClean="0"/>
-              <a:t>model </a:t>
-            </a:r>
-            <a:endParaRPr lang="en-US" sz="3200" dirty="0" smtClean="0"/>
+              <a:t>Some common ingredient like salt appears in recipes as varied as cakes, burgers and pizzas, confusing the model </a:t>
+            </a:r>
           </a:p>
           <a:p>
             <a:pPr marL="457200" indent="-457200">
@@ -5356,17 +5361,8 @@
             </a:pPr>
             <a:r>
               <a:rPr lang="en-US" sz="3200" dirty="0" smtClean="0"/>
-              <a:t>Training with </a:t>
-            </a:r>
-            <a:r>
-              <a:rPr lang="en-US" sz="3200" dirty="0" smtClean="0"/>
-              <a:t>both directions and ingredients adds to the complexity and the models focused on learning format rather than </a:t>
-            </a:r>
-            <a:r>
-              <a:rPr lang="en-US" sz="3200" dirty="0" smtClean="0"/>
-              <a:t>content </a:t>
-            </a:r>
-            <a:endParaRPr lang="en-US" sz="3200" dirty="0" smtClean="0"/>
+              <a:t>Training with both directions and ingredients adds to the complexity and the models focused on learning format rather than content </a:t>
+            </a:r>
           </a:p>
         </p:txBody>
       </p:sp>
@@ -5412,7 +5408,7 @@
         </p:nvSpPr>
         <p:spPr>
           <a:xfrm>
-            <a:off x="30749964" y="19767596"/>
+            <a:off x="30749964" y="20845279"/>
             <a:ext cx="12801600" cy="1219200"/>
           </a:xfrm>
           <a:solidFill>
@@ -5442,8 +5438,8 @@
         </p:nvSpPr>
         <p:spPr>
           <a:xfrm>
-            <a:off x="30749964" y="21212348"/>
-            <a:ext cx="12801600" cy="6646372"/>
+            <a:off x="30749964" y="22290031"/>
+            <a:ext cx="12801600" cy="5528181"/>
           </a:xfrm>
           <a:solidFill>
             <a:srgbClr val="E8E8E8"/>
@@ -5451,7 +5447,7 @@
         </p:spPr>
         <p:txBody>
           <a:bodyPr>
-            <a:normAutofit/>
+            <a:normAutofit lnSpcReduction="10000"/>
           </a:bodyPr>
           <a:lstStyle/>
           <a:p>
@@ -5481,9 +5477,21 @@
             </a:r>
             <a:r>
               <a:rPr lang="en-US" dirty="0" smtClean="0"/>
-              <a:t> capable of producing reasonable recipes</a:t>
-            </a:r>
-            <a:endParaRPr lang="en-US" dirty="0" smtClean="0"/>
+              <a:t> capable of producing reasonable </a:t>
+            </a:r>
+            <a:r>
+              <a:rPr lang="en-US" dirty="0" smtClean="0"/>
+              <a:t>recipes</a:t>
+            </a:r>
+          </a:p>
+          <a:p>
+            <a:pPr lvl="1">
+              <a:buClrTx/>
+            </a:pPr>
+            <a:r>
+              <a:rPr lang="en-US" dirty="0"/>
+              <a:t>Difficult to determine the differences in model performance from hyper-parameter tuning because the output evaluation is subjective</a:t>
+            </a:r>
           </a:p>
           <a:p>
             <a:pPr>
@@ -5508,16 +5516,12 @@
             </a:pPr>
             <a:r>
               <a:rPr lang="en-US" dirty="0" smtClean="0"/>
-              <a:t>Dictionary limited to those words/recipes available via the </a:t>
+              <a:t>Dictionary limited to those words/recipes available via </a:t>
             </a:r>
             <a:r>
               <a:rPr lang="en-US" dirty="0" err="1" smtClean="0"/>
               <a:t>Yummly</a:t>
             </a:r>
-            <a:r>
-              <a:rPr lang="en-US" dirty="0" smtClean="0"/>
-              <a:t> API</a:t>
-            </a:r>
             <a:endParaRPr lang="en-US" dirty="0"/>
           </a:p>
           <a:p>
@@ -5539,12 +5543,9 @@
             </a:pPr>
             <a:r>
               <a:rPr lang="en-US" dirty="0" smtClean="0"/>
-              <a:t>Generalize to include other types of food (e.g., muffins, </a:t>
-            </a:r>
-            <a:r>
-              <a:rPr lang="en-US" dirty="0" smtClean="0"/>
-              <a:t>cakes) and see if generated recipes can be classified</a:t>
-            </a:r>
+              <a:t>Use prepended titles as part of training observations to give models the ability to generate recipes using created titles</a:t>
+            </a:r>
+            <a:endParaRPr lang="en-US" dirty="0" smtClean="0"/>
           </a:p>
           <a:p>
             <a:pPr lvl="1">
@@ -5552,31 +5553,9 @@
             </a:pPr>
             <a:r>
               <a:rPr lang="en-US" dirty="0" smtClean="0"/>
-              <a:t>Train model to classify recipes based on ingredients</a:t>
-            </a:r>
-          </a:p>
-          <a:p>
-            <a:pPr lvl="1">
-              <a:buClrTx/>
-            </a:pPr>
-            <a:r>
-              <a:rPr lang="en-US" dirty="0" smtClean="0"/>
-              <a:t>Include </a:t>
-            </a:r>
-            <a:r>
-              <a:rPr lang="en-US" dirty="0" smtClean="0"/>
-              <a:t>directions to give full recipes</a:t>
-            </a:r>
-          </a:p>
-          <a:p>
-            <a:pPr lvl="1">
-              <a:buClrTx/>
-            </a:pPr>
-            <a:r>
-              <a:rPr lang="en-US" dirty="0" smtClean="0"/>
-              <a:t>Convert all fractions to decimals (e.g., ¾ to 0.75)</a:t>
-            </a:r>
-            <a:endParaRPr lang="en-US" dirty="0"/>
+              <a:t>Generalize to include other recipe types, then generate hybrid recipes</a:t>
+            </a:r>
+            <a:endParaRPr lang="en-US" dirty="0" smtClean="0"/>
           </a:p>
         </p:txBody>
       </p:sp>
@@ -5757,7 +5736,15 @@
             </a:r>
             <a:r>
               <a:rPr lang="en-US" sz="2000" dirty="0" smtClean="0"/>
-              <a:t>, James Martens, Geoffrey Hinton</a:t>
+              <a:t>, James Martens, </a:t>
+            </a:r>
+            <a:r>
+              <a:rPr lang="en-US" sz="2000" smtClean="0"/>
+              <a:t>Geoffrey </a:t>
+            </a:r>
+            <a:r>
+              <a:rPr lang="en-US" sz="2000" smtClean="0"/>
+              <a:t>Hinton)</a:t>
             </a:r>
             <a:endParaRPr lang="en-US" sz="2000" dirty="0"/>
           </a:p>
@@ -5802,14 +5789,14 @@
           </a:ln>
           <a:extLst>
             <a:ext uri="{909E8E84-426E-40dd-AFC4-6F175D3DCCD1}">
-              <a14:hiddenFill xmlns:a14="http://schemas.microsoft.com/office/drawing/2010/main" xmlns="">
+              <a14:hiddenFill xmlns="" xmlns:a14="http://schemas.microsoft.com/office/drawing/2010/main">
                 <a:solidFill>
                   <a:srgbClr val="FFFFFF"/>
                 </a:solidFill>
               </a14:hiddenFill>
             </a:ext>
             <a:ext uri="{91240B29-F687-4f45-9708-019B960494DF}">
-              <a14:hiddenLine xmlns:a14="http://schemas.microsoft.com/office/drawing/2010/main" xmlns="" w="9525">
+              <a14:hiddenLine xmlns="" xmlns:a14="http://schemas.microsoft.com/office/drawing/2010/main" w="9525">
                 <a:solidFill>
                   <a:srgbClr val="000000"/>
                 </a:solidFill>
@@ -6023,10 +6010,6 @@
               <a:rPr lang="en-US" sz="2200" dirty="0"/>
               <a:t>Prepended the title of the recipe to the beginning of the recipe </a:t>
             </a:r>
-            <a:r>
-              <a:rPr lang="en-US" sz="2200" dirty="0"/>
-              <a:t/>
-            </a:r>
             <a:br>
               <a:rPr lang="en-US" sz="2200" dirty="0"/>
             </a:br>
@@ -6363,7 +6346,6 @@
               <a:rPr lang="en-US" sz="2200" dirty="0" smtClean="0"/>
               <a:t>phrase-level</a:t>
             </a:r>
-            <a:endParaRPr lang="en-US" sz="2200" dirty="0" smtClean="0"/>
           </a:p>
           <a:p>
             <a:pPr marL="342900" indent="-342900">
@@ -6400,19 +6382,7 @@
             </a:pPr>
             <a:r>
               <a:rPr lang="en-US" sz="2200" dirty="0" smtClean="0"/>
-              <a:t>Word- </a:t>
-            </a:r>
-            <a:r>
-              <a:rPr lang="en-US" sz="2200" dirty="0" smtClean="0"/>
-              <a:t>and </a:t>
-            </a:r>
-            <a:r>
-              <a:rPr lang="en-US" sz="2200" dirty="0" smtClean="0"/>
-              <a:t>phrase-level: 50 </a:t>
-            </a:r>
-            <a:r>
-              <a:rPr lang="en-US" sz="2200" dirty="0" smtClean="0"/>
-              <a:t/>
+              <a:t>Word- and phrase-level: 50 </a:t>
             </a:r>
             <a:br>
               <a:rPr lang="en-US" sz="2200" dirty="0" smtClean="0"/>
@@ -6698,17 +6668,8 @@
             </a:pPr>
             <a:r>
               <a:rPr lang="en-US" sz="2400" dirty="0" smtClean="0"/>
-              <a:t>Evaluate </a:t>
-            </a:r>
-            <a:r>
-              <a:rPr lang="en-US" sz="2400" dirty="0" smtClean="0"/>
-              <a:t>model success by looking </a:t>
-            </a:r>
-            <a:r>
-              <a:rPr lang="en-US" sz="2400" dirty="0" smtClean="0"/>
-              <a:t>at generated recipes</a:t>
-            </a:r>
-            <a:endParaRPr lang="en-US" sz="2400" dirty="0" smtClean="0"/>
+              <a:t>Evaluate model success by looking at generated recipes</a:t>
+            </a:r>
           </a:p>
         </p:txBody>
       </p:sp>
@@ -6907,11 +6868,7 @@
             </a:r>
             <a:r>
               <a:rPr lang="en-US" dirty="0" smtClean="0"/>
-              <a:t>lists </a:t>
-            </a:r>
-            <a:r>
-              <a:rPr lang="en-US" dirty="0" smtClean="0"/>
-              <a:t>from </a:t>
+              <a:t>lists from </a:t>
             </a:r>
             <a:r>
               <a:rPr lang="en-US" dirty="0" err="1" smtClean="0"/>
@@ -6929,7 +6886,6 @@
               <a:rPr lang="en-US" dirty="0" smtClean="0"/>
               <a:t>’</a:t>
             </a:r>
-            <a:endParaRPr lang="en-US" dirty="0" smtClean="0"/>
           </a:p>
           <a:p>
             <a:pPr>
@@ -6959,11 +6915,7 @@
             </a:r>
             <a:r>
               <a:rPr lang="en-US" dirty="0" smtClean="0"/>
-              <a:t>from </a:t>
-            </a:r>
-            <a:r>
-              <a:rPr lang="en-US" dirty="0" smtClean="0"/>
-              <a:t>corpus</a:t>
+              <a:t>from corpus</a:t>
             </a:r>
             <a:endParaRPr lang="en-US" dirty="0"/>
           </a:p>
@@ -6973,11 +6925,7 @@
             </a:pPr>
             <a:r>
               <a:rPr lang="en-US" dirty="0" smtClean="0"/>
-              <a:t>Inspected </a:t>
-            </a:r>
-            <a:r>
-              <a:rPr lang="en-US" dirty="0" smtClean="0"/>
-              <a:t>the final dictionary and removed any words that were instructions or were unrelated to cookies</a:t>
+              <a:t>Inspected the final dictionary and removed any words that were instructions or were unrelated to cookies</a:t>
             </a:r>
           </a:p>
           <a:p>
@@ -7606,19 +7554,7 @@
             </a:pPr>
             <a:r>
               <a:rPr lang="en-US" sz="2200" dirty="0" smtClean="0"/>
-              <a:t>Compared </a:t>
-            </a:r>
-            <a:r>
-              <a:rPr lang="en-US" sz="2200" dirty="0" smtClean="0"/>
-              <a:t>GRU </a:t>
-            </a:r>
-            <a:r>
-              <a:rPr lang="en-US" sz="2200" dirty="0" smtClean="0"/>
-              <a:t>and LSTM </a:t>
-            </a:r>
-            <a:r>
-              <a:rPr lang="en-US" sz="2200" dirty="0" smtClean="0"/>
-              <a:t>performance</a:t>
+              <a:t>Compared GRU and LSTM performance</a:t>
             </a:r>
             <a:br>
               <a:rPr lang="en-US" sz="2200" dirty="0" smtClean="0"/>
@@ -7643,10 +7579,6 @@
               <a:rPr lang="en-US" sz="2200" dirty="0" smtClean="0"/>
               <a:t>Compared CNN and RNN performance</a:t>
             </a:r>
-            <a:r>
-              <a:rPr lang="en-US" sz="2200" dirty="0" smtClean="0"/>
-              <a:t/>
-            </a:r>
             <a:br>
               <a:rPr lang="en-US" sz="2200" dirty="0" smtClean="0"/>
             </a:br>
@@ -7691,19 +7623,7 @@
             </a:pPr>
             <a:r>
               <a:rPr lang="en-US" sz="2200" dirty="0" smtClean="0"/>
-              <a:t>Adjusted the number of </a:t>
-            </a:r>
-            <a:r>
-              <a:rPr lang="en-US" sz="2200" dirty="0" smtClean="0"/>
-              <a:t>neurons </a:t>
-            </a:r>
-            <a:r>
-              <a:rPr lang="en-US" sz="2200" dirty="0" smtClean="0"/>
-              <a:t>in the </a:t>
-            </a:r>
-            <a:r>
-              <a:rPr lang="en-US" sz="2200" dirty="0" smtClean="0"/>
-              <a:t>hidden layers(128, 256, 512)</a:t>
+              <a:t>Adjusted the number of neurons in the hidden layers(128, 256, 512)</a:t>
             </a:r>
             <a:endParaRPr lang="en-US" sz="2000" dirty="0" smtClean="0"/>
           </a:p>
@@ -7861,7 +7781,6 @@
               <a:rPr lang="en-US" sz="2400" b="1" dirty="0" smtClean="0"/>
               <a:t>Generate Recipes</a:t>
             </a:r>
-            <a:endParaRPr lang="en-US" sz="2400" b="1" dirty="0" smtClean="0"/>
           </a:p>
           <a:p>
             <a:pPr marL="342900" lvl="0" indent="-342900" defTabSz="1022350">
@@ -8283,15 +8202,7 @@
           <a:p>
             <a:r>
               <a:rPr lang="en-US" sz="2400" dirty="0" smtClean="0"/>
-              <a:t>Figure </a:t>
-            </a:r>
-            <a:r>
-              <a:rPr lang="en-US" sz="2400" dirty="0" smtClean="0"/>
-              <a:t>3: </a:t>
-            </a:r>
-            <a:r>
-              <a:rPr lang="en-US" sz="2400" dirty="0" smtClean="0"/>
-              <a:t>The </a:t>
+              <a:t>Figure 3: The </a:t>
             </a:r>
             <a:r>
               <a:rPr lang="en-US" sz="2400" dirty="0"/>
@@ -8329,13 +8240,8 @@
           <a:p>
             <a:r>
               <a:rPr lang="en-US" sz="3200" b="1" dirty="0" smtClean="0"/>
-              <a:t>Alternative </a:t>
-            </a:r>
-            <a:r>
-              <a:rPr lang="en-US" sz="3200" b="1" dirty="0" smtClean="0"/>
-              <a:t>Approaches</a:t>
-            </a:r>
-            <a:endParaRPr lang="en-US" sz="3200" b="1" dirty="0" smtClean="0"/>
+              <a:t>Alternative Approaches</a:t>
+            </a:r>
           </a:p>
           <a:p>
             <a:pPr marL="457200" indent="-457200">
@@ -8364,11 +8270,7 @@
             </a:r>
             <a:r>
               <a:rPr lang="en-US" sz="3200" dirty="0" smtClean="0"/>
-              <a:t>output, so the output layer can get information from both past </a:t>
-            </a:r>
-            <a:r>
-              <a:rPr lang="en-US" sz="3200" dirty="0" smtClean="0"/>
-              <a:t>and future states</a:t>
+              <a:t>output, so the output layer can get information from both past and future states</a:t>
             </a:r>
           </a:p>
           <a:p>
@@ -8533,7 +8435,7 @@
             <p:ph sz="quarter" idx="32"/>
           </p:nvPr>
         </p:nvPicPr>
-        <p:blipFill>
+        <p:blipFill rotWithShape="1">
           <a:blip r:embed="rId9">
             <a:extLst>
               <a:ext uri="{28A0092B-C50C-407E-A947-70E740481C1C}">
@@ -8541,14 +8443,13 @@
               </a:ext>
             </a:extLst>
           </a:blip>
-          <a:stretch>
-            <a:fillRect/>
-          </a:stretch>
+          <a:srcRect t="5342" r="6299"/>
+          <a:stretch/>
         </p:blipFill>
         <p:spPr>
           <a:xfrm>
-            <a:off x="31382567" y="8068328"/>
-            <a:ext cx="6024417" cy="4141787"/>
+            <a:off x="31382567" y="8289587"/>
+            <a:ext cx="5644937" cy="3920528"/>
           </a:xfrm>
         </p:spPr>
       </p:pic>
@@ -8562,7 +8463,7 @@
             <p:ph sz="quarter" idx="32"/>
           </p:nvPr>
         </p:nvPicPr>
-        <p:blipFill>
+        <p:blipFill rotWithShape="1">
           <a:blip r:embed="rId10">
             <a:extLst>
               <a:ext uri="{28A0092B-C50C-407E-A947-70E740481C1C}">
@@ -8570,14 +8471,13 @@
               </a:ext>
             </a:extLst>
           </a:blip>
-          <a:stretch>
-            <a:fillRect/>
-          </a:stretch>
+          <a:srcRect t="4784" r="5955"/>
+          <a:stretch/>
         </p:blipFill>
         <p:spPr>
           <a:xfrm>
-            <a:off x="37406984" y="8091346"/>
-            <a:ext cx="6026727" cy="4143375"/>
+            <a:off x="37406984" y="8289587"/>
+            <a:ext cx="5667787" cy="3945134"/>
           </a:xfrm>
         </p:spPr>
       </p:pic>
@@ -8591,7 +8491,7 @@
             <p:ph sz="quarter" idx="32"/>
           </p:nvPr>
         </p:nvPicPr>
-        <p:blipFill>
+        <p:blipFill rotWithShape="1">
           <a:blip r:embed="rId11">
             <a:extLst>
               <a:ext uri="{28A0092B-C50C-407E-A947-70E740481C1C}">
@@ -8599,64 +8499,16 @@
               </a:ext>
             </a:extLst>
           </a:blip>
-          <a:stretch>
-            <a:fillRect/>
-          </a:stretch>
+          <a:srcRect t="5017" r="5471"/>
+          <a:stretch/>
         </p:blipFill>
         <p:spPr>
           <a:xfrm>
-            <a:off x="31332652" y="13107141"/>
-            <a:ext cx="6024417" cy="4141786"/>
+            <a:off x="31332653" y="13314947"/>
+            <a:ext cx="5694852" cy="3933980"/>
           </a:xfrm>
         </p:spPr>
       </p:pic>
-      <p:sp>
-        <p:nvSpPr>
-          <p:cNvPr id="52" name="Content Placeholder 5"/>
-          <p:cNvSpPr>
-            <a:spLocks noGrp="1"/>
-          </p:cNvSpPr>
-          <p:nvPr>
-            <p:ph sz="quarter" idx="33"/>
-          </p:nvPr>
-        </p:nvSpPr>
-        <p:spPr>
-          <a:xfrm>
-            <a:off x="30791620" y="6917029"/>
-            <a:ext cx="12801600" cy="749582"/>
-          </a:xfrm>
-        </p:spPr>
-        <p:txBody>
-          <a:bodyPr>
-            <a:normAutofit fontScale="85000" lnSpcReduction="10000"/>
-          </a:bodyPr>
-          <a:lstStyle/>
-          <a:p>
-            <a:pPr marL="0" marR="0" lvl="0" indent="0" defTabSz="914400" eaLnBrk="1" fontAlgn="auto" latinLnBrk="0" hangingPunct="1">
-              <a:lnSpc>
-                <a:spcPct val="100000"/>
-              </a:lnSpc>
-              <a:spcBef>
-                <a:spcPts val="0"/>
-              </a:spcBef>
-              <a:spcAft>
-                <a:spcPts val="0"/>
-              </a:spcAft>
-              <a:buClrTx/>
-              <a:buSzTx/>
-              <a:buFontTx/>
-              <a:buNone/>
-              <a:tabLst/>
-              <a:defRPr/>
-            </a:pPr>
-            <a:r>
-              <a:rPr lang="en-US" dirty="0" smtClean="0"/>
-              <a:t>Seed text generated from first 40 characters of oatmeal raisin cookie recipe.</a:t>
-            </a:r>
-            <a:endParaRPr lang="en-US" dirty="0"/>
-          </a:p>
-        </p:txBody>
-      </p:sp>
       <p:sp>
         <p:nvSpPr>
           <p:cNvPr id="53" name="Content Placeholder 5"/>
@@ -8761,7 +8613,7 @@
             <p:ph sz="quarter" idx="32"/>
           </p:nvPr>
         </p:nvPicPr>
-        <p:blipFill>
+        <p:blipFill rotWithShape="1">
           <a:blip r:embed="rId12">
             <a:extLst>
               <a:ext uri="{28A0092B-C50C-407E-A947-70E740481C1C}">
@@ -8769,14 +8621,13 @@
               </a:ext>
             </a:extLst>
           </a:blip>
-          <a:stretch>
-            <a:fillRect/>
-          </a:stretch>
+          <a:srcRect t="5017" r="5914"/>
+          <a:stretch/>
         </p:blipFill>
         <p:spPr>
           <a:xfrm>
-            <a:off x="37406642" y="13107141"/>
-            <a:ext cx="6024416" cy="4141786"/>
+            <a:off x="37406642" y="13314947"/>
+            <a:ext cx="5668129" cy="3933980"/>
           </a:xfrm>
         </p:spPr>
       </p:pic>
@@ -8941,6 +8792,41 @@
                 <a:srgbClr val="FF0000"/>
               </a:solidFill>
             </a:endParaRPr>
+          </a:p>
+        </p:txBody>
+      </p:sp>
+      <p:sp>
+        <p:nvSpPr>
+          <p:cNvPr id="58" name="TextBox 57"/>
+          <p:cNvSpPr txBox="1"/>
+          <p:nvPr/>
+        </p:nvSpPr>
+        <p:spPr>
+          <a:xfrm>
+            <a:off x="31332652" y="18169648"/>
+            <a:ext cx="11742119" cy="461665"/>
+          </a:xfrm>
+          <a:prstGeom prst="rect">
+            <a:avLst/>
+          </a:prstGeom>
+          <a:solidFill>
+            <a:schemeClr val="bg1"/>
+          </a:solidFill>
+        </p:spPr>
+        <p:txBody>
+          <a:bodyPr wrap="square" rtlCol="0">
+            <a:spAutoFit/>
+          </a:bodyPr>
+          <a:lstStyle/>
+          <a:p>
+            <a:pPr marL="0" lvl="1">
+              <a:buClrTx/>
+            </a:pPr>
+            <a:r>
+              <a:rPr lang="en-US" sz="2400" dirty="0" smtClean="0"/>
+              <a:t>Insert recipe for CNN diversity 1.2 here</a:t>
+            </a:r>
+            <a:endParaRPr lang="en-US" sz="2400" dirty="0"/>
           </a:p>
         </p:txBody>
       </p:sp>

--- a/ConvectionNNPoster_V2.pptx
+++ b/ConvectionNNPoster_V2.pptx
@@ -4851,11 +4851,7 @@
             </a:pPr>
             <a:r>
               <a:rPr lang="en-US" dirty="0" smtClean="0"/>
-              <a:t>Seed text generated from first 40 characters of oatmeal </a:t>
-            </a:r>
-            <a:r>
-              <a:rPr lang="en-US" dirty="0" smtClean="0"/>
-              <a:t>cookie recipe</a:t>
+              <a:t>Seed text generated from first 40 characters of oatmeal cookie recipe</a:t>
             </a:r>
             <a:endParaRPr lang="en-US" dirty="0"/>
           </a:p>
@@ -5477,11 +5473,7 @@
             </a:r>
             <a:r>
               <a:rPr lang="en-US" dirty="0" smtClean="0"/>
-              <a:t> capable of producing reasonable </a:t>
-            </a:r>
-            <a:r>
-              <a:rPr lang="en-US" dirty="0" smtClean="0"/>
-              <a:t>recipes</a:t>
+              <a:t> capable of producing reasonable recipes</a:t>
             </a:r>
           </a:p>
           <a:p>
@@ -5545,7 +5537,6 @@
               <a:rPr lang="en-US" dirty="0" smtClean="0"/>
               <a:t>Use prepended titles as part of training observations to give models the ability to generate recipes using created titles</a:t>
             </a:r>
-            <a:endParaRPr lang="en-US" dirty="0" smtClean="0"/>
           </a:p>
           <a:p>
             <a:pPr lvl="1">
@@ -5555,7 +5546,6 @@
               <a:rPr lang="en-US" dirty="0" smtClean="0"/>
               <a:t>Generalize to include other recipe types, then generate hybrid recipes</a:t>
             </a:r>
-            <a:endParaRPr lang="en-US" dirty="0" smtClean="0"/>
           </a:p>
         </p:txBody>
       </p:sp>
@@ -5740,11 +5730,7 @@
             </a:r>
             <a:r>
               <a:rPr lang="en-US" sz="2000" smtClean="0"/>
-              <a:t>Geoffrey </a:t>
-            </a:r>
-            <a:r>
-              <a:rPr lang="en-US" sz="2000" smtClean="0"/>
-              <a:t>Hinton)</a:t>
+              <a:t>Geoffrey Hinton)</a:t>
             </a:r>
             <a:endParaRPr lang="en-US" sz="2000" dirty="0"/>
           </a:p>
@@ -5789,14 +5775,14 @@
           </a:ln>
           <a:extLst>
             <a:ext uri="{909E8E84-426E-40dd-AFC4-6F175D3DCCD1}">
-              <a14:hiddenFill xmlns="" xmlns:a14="http://schemas.microsoft.com/office/drawing/2010/main">
+              <a14:hiddenFill xmlns:a14="http://schemas.microsoft.com/office/drawing/2010/main" xmlns="">
                 <a:solidFill>
                   <a:srgbClr val="FFFFFF"/>
                 </a:solidFill>
               </a14:hiddenFill>
             </a:ext>
             <a:ext uri="{91240B29-F687-4f45-9708-019B960494DF}">
-              <a14:hiddenLine xmlns="" xmlns:a14="http://schemas.microsoft.com/office/drawing/2010/main" w="9525">
+              <a14:hiddenLine xmlns:a14="http://schemas.microsoft.com/office/drawing/2010/main" xmlns="" w="9525">
                 <a:solidFill>
                   <a:srgbClr val="000000"/>
                 </a:solidFill>
@@ -6875,8 +6861,12 @@
               <a:t>Yummly</a:t>
             </a:r>
             <a:r>
-              <a:rPr lang="en-US" dirty="0" smtClean="0"/>
-              <a:t> on the </a:t>
+              <a:rPr lang="en-US" smtClean="0"/>
+              <a:t> </a:t>
+            </a:r>
+            <a:r>
+              <a:rPr lang="en-US" smtClean="0"/>
+              <a:t>using the </a:t>
             </a:r>
             <a:r>
               <a:rPr lang="en-US" dirty="0"/>
@@ -8797,36 +8787,79 @@
       </p:sp>
       <p:sp>
         <p:nvSpPr>
-          <p:cNvPr id="58" name="TextBox 57"/>
-          <p:cNvSpPr txBox="1"/>
-          <p:nvPr/>
+          <p:cNvPr id="55" name="Content Placeholder 5"/>
+          <p:cNvSpPr>
+            <a:spLocks noGrp="1"/>
+          </p:cNvSpPr>
+          <p:nvPr>
+            <p:ph sz="quarter" idx="33"/>
+          </p:nvPr>
         </p:nvSpPr>
         <p:spPr>
           <a:xfrm>
-            <a:off x="31332652" y="18169648"/>
-            <a:ext cx="11742119" cy="461665"/>
+            <a:off x="31311887" y="18236780"/>
+            <a:ext cx="11556425" cy="1965506"/>
           </a:xfrm>
-          <a:prstGeom prst="rect">
-            <a:avLst/>
-          </a:prstGeom>
           <a:solidFill>
             <a:schemeClr val="bg1"/>
           </a:solidFill>
         </p:spPr>
         <p:txBody>
-          <a:bodyPr wrap="square" rtlCol="0">
-            <a:spAutoFit/>
+          <a:bodyPr>
+            <a:normAutofit lnSpcReduction="10000"/>
           </a:bodyPr>
           <a:lstStyle/>
           <a:p>
-            <a:pPr marL="0" lvl="1">
+            <a:pPr marL="0" indent="0" defTabSz="914400">
+              <a:spcBef>
+                <a:spcPts val="0"/>
+              </a:spcBef>
               <a:buClrTx/>
-            </a:pPr>
-            <a:r>
-              <a:rPr lang="en-US" sz="2400" dirty="0" smtClean="0"/>
-              <a:t>Insert recipe for CNN diversity 1.2 here</a:t>
-            </a:r>
-            <a:endParaRPr lang="en-US" sz="2400" dirty="0"/>
+              <a:buNone/>
+              <a:defRPr/>
+            </a:pPr>
+            <a:r>
+              <a:rPr lang="en-US" sz="2400" b="1" dirty="0"/>
+              <a:t>Example </a:t>
+            </a:r>
+            <a:r>
+              <a:rPr lang="en-US" sz="2400" b="1" dirty="0" smtClean="0"/>
+              <a:t>Output:</a:t>
+            </a:r>
+            <a:r>
+              <a:rPr lang="en-US" sz="2000" dirty="0" smtClean="0"/>
+              <a:t/>
+            </a:r>
+            <a:br>
+              <a:rPr lang="en-US" sz="2000" dirty="0" smtClean="0"/>
+            </a:br>
+            <a:r>
+              <a:rPr lang="en-US" sz="1900" dirty="0" smtClean="0"/>
+              <a:t>1/2 </a:t>
+            </a:r>
+            <a:r>
+              <a:rPr lang="en-US" sz="1900" dirty="0"/>
+              <a:t>tsp. baking soda,1 tsp. vanilla extract,1 cup all purpose flour,1 teaspoon baking soda,1 teaspoon salt,6 tablespoons brown sugar,2 cups candy covered plus  1/4 finely diced,1/2 cup firmly packed brown sugar,1 egg  1 3/4 cups sugar,2 la 1/2 tsp. baking soda,1 tsp. vanilla extract  2 cups chocolate chips,1/2 cup agave nectar,1 teaspoon coconut extract ,1 teaspoon salt,1 cup </a:t>
+            </a:r>
+            <a:r>
+              <a:rPr lang="en-US" sz="1900" dirty="0" err="1"/>
+              <a:t>nutella</a:t>
+            </a:r>
+            <a:r>
+              <a:rPr lang="en-US" sz="1900" dirty="0"/>
+              <a:t>, 1/2 cup rainbow sprinkles of chopped nuts,1/3 cup chocolate hot cocoa powder,1 tsp vanilla </a:t>
+            </a:r>
+          </a:p>
+          <a:p>
+            <a:pPr marL="0" lvl="0" indent="0" defTabSz="914400">
+              <a:spcBef>
+                <a:spcPts val="0"/>
+              </a:spcBef>
+              <a:buClrTx/>
+              <a:buNone/>
+              <a:defRPr/>
+            </a:pPr>
+            <a:endParaRPr lang="en-US" sz="1900" dirty="0"/>
           </a:p>
         </p:txBody>
       </p:sp>
